--- a/GDD/컨셉/목축시스템.pptx
+++ b/GDD/컨셉/목축시스템.pptx
@@ -251,7 +251,7 @@
           <a:p>
             <a:fld id="{49275C52-1A75-4C5C-BFD7-66FA4DE417E4}" type="datetimeFigureOut">
               <a:rPr lang="ko-KR" altLang="en-US" smtClean="0"/>
-              <a:t>2022-09-06</a:t>
+              <a:t>2022-09-07</a:t>
             </a:fld>
             <a:endParaRPr lang="ko-KR" altLang="en-US"/>
           </a:p>
@@ -421,7 +421,7 @@
           <a:p>
             <a:fld id="{49275C52-1A75-4C5C-BFD7-66FA4DE417E4}" type="datetimeFigureOut">
               <a:rPr lang="ko-KR" altLang="en-US" smtClean="0"/>
-              <a:t>2022-09-06</a:t>
+              <a:t>2022-09-07</a:t>
             </a:fld>
             <a:endParaRPr lang="ko-KR" altLang="en-US"/>
           </a:p>
@@ -601,7 +601,7 @@
           <a:p>
             <a:fld id="{49275C52-1A75-4C5C-BFD7-66FA4DE417E4}" type="datetimeFigureOut">
               <a:rPr lang="ko-KR" altLang="en-US" smtClean="0"/>
-              <a:t>2022-09-06</a:t>
+              <a:t>2022-09-07</a:t>
             </a:fld>
             <a:endParaRPr lang="ko-KR" altLang="en-US"/>
           </a:p>
@@ -771,7 +771,7 @@
           <a:p>
             <a:fld id="{49275C52-1A75-4C5C-BFD7-66FA4DE417E4}" type="datetimeFigureOut">
               <a:rPr lang="ko-KR" altLang="en-US" smtClean="0"/>
-              <a:t>2022-09-06</a:t>
+              <a:t>2022-09-07</a:t>
             </a:fld>
             <a:endParaRPr lang="ko-KR" altLang="en-US"/>
           </a:p>
@@ -1017,7 +1017,7 @@
           <a:p>
             <a:fld id="{49275C52-1A75-4C5C-BFD7-66FA4DE417E4}" type="datetimeFigureOut">
               <a:rPr lang="ko-KR" altLang="en-US" smtClean="0"/>
-              <a:t>2022-09-06</a:t>
+              <a:t>2022-09-07</a:t>
             </a:fld>
             <a:endParaRPr lang="ko-KR" altLang="en-US"/>
           </a:p>
@@ -1249,7 +1249,7 @@
           <a:p>
             <a:fld id="{49275C52-1A75-4C5C-BFD7-66FA4DE417E4}" type="datetimeFigureOut">
               <a:rPr lang="ko-KR" altLang="en-US" smtClean="0"/>
-              <a:t>2022-09-06</a:t>
+              <a:t>2022-09-07</a:t>
             </a:fld>
             <a:endParaRPr lang="ko-KR" altLang="en-US"/>
           </a:p>
@@ -1616,7 +1616,7 @@
           <a:p>
             <a:fld id="{49275C52-1A75-4C5C-BFD7-66FA4DE417E4}" type="datetimeFigureOut">
               <a:rPr lang="ko-KR" altLang="en-US" smtClean="0"/>
-              <a:t>2022-09-06</a:t>
+              <a:t>2022-09-07</a:t>
             </a:fld>
             <a:endParaRPr lang="ko-KR" altLang="en-US"/>
           </a:p>
@@ -1734,7 +1734,7 @@
           <a:p>
             <a:fld id="{49275C52-1A75-4C5C-BFD7-66FA4DE417E4}" type="datetimeFigureOut">
               <a:rPr lang="ko-KR" altLang="en-US" smtClean="0"/>
-              <a:t>2022-09-06</a:t>
+              <a:t>2022-09-07</a:t>
             </a:fld>
             <a:endParaRPr lang="ko-KR" altLang="en-US"/>
           </a:p>
@@ -1829,7 +1829,7 @@
           <a:p>
             <a:fld id="{49275C52-1A75-4C5C-BFD7-66FA4DE417E4}" type="datetimeFigureOut">
               <a:rPr lang="ko-KR" altLang="en-US" smtClean="0"/>
-              <a:t>2022-09-06</a:t>
+              <a:t>2022-09-07</a:t>
             </a:fld>
             <a:endParaRPr lang="ko-KR" altLang="en-US"/>
           </a:p>
@@ -2106,7 +2106,7 @@
           <a:p>
             <a:fld id="{49275C52-1A75-4C5C-BFD7-66FA4DE417E4}" type="datetimeFigureOut">
               <a:rPr lang="ko-KR" altLang="en-US" smtClean="0"/>
-              <a:t>2022-09-06</a:t>
+              <a:t>2022-09-07</a:t>
             </a:fld>
             <a:endParaRPr lang="ko-KR" altLang="en-US"/>
           </a:p>
@@ -2359,7 +2359,7 @@
           <a:p>
             <a:fld id="{49275C52-1A75-4C5C-BFD7-66FA4DE417E4}" type="datetimeFigureOut">
               <a:rPr lang="ko-KR" altLang="en-US" smtClean="0"/>
-              <a:t>2022-09-06</a:t>
+              <a:t>2022-09-07</a:t>
             </a:fld>
             <a:endParaRPr lang="ko-KR" altLang="en-US"/>
           </a:p>
@@ -2572,7 +2572,7 @@
           <a:p>
             <a:fld id="{49275C52-1A75-4C5C-BFD7-66FA4DE417E4}" type="datetimeFigureOut">
               <a:rPr lang="ko-KR" altLang="en-US" smtClean="0"/>
-              <a:t>2022-09-06</a:t>
+              <a:t>2022-09-07</a:t>
             </a:fld>
             <a:endParaRPr lang="ko-KR" altLang="en-US"/>
           </a:p>
@@ -4004,7 +4004,7 @@
         <p:spPr>
           <a:xfrm>
             <a:off x="475374" y="360648"/>
-            <a:ext cx="4166525" cy="584775"/>
+            <a:ext cx="3201517" cy="584775"/>
           </a:xfrm>
           <a:prstGeom prst="rect">
             <a:avLst/>
@@ -4023,7 +4023,7 @@
             </a:r>
             <a:r>
               <a:rPr lang="ko-KR" altLang="en-US" sz="3200" b="1" dirty="0" smtClean="0"/>
-              <a:t> 세부 설명</a:t>
+              <a:t> 설명</a:t>
             </a:r>
             <a:endParaRPr lang="ko-KR" altLang="en-US" sz="3200" b="1" dirty="0"/>
           </a:p>
@@ -4382,11 +4382,7 @@
             </a:pPr>
             <a:r>
               <a:rPr lang="ko-KR" altLang="en-US" dirty="0" smtClean="0"/>
-              <a:t>외양간동물</a:t>
-            </a:r>
-            <a:r>
-              <a:rPr lang="ko-KR" altLang="en-US" dirty="0" smtClean="0"/>
-              <a:t>특징</a:t>
+              <a:t>외양간동물특징</a:t>
             </a:r>
             <a:endParaRPr lang="en-US" altLang="ko-KR" dirty="0" smtClean="0"/>
           </a:p>
@@ -4398,15 +4394,7 @@
             </a:pPr>
             <a:r>
               <a:rPr lang="ko-KR" altLang="en-US" dirty="0" smtClean="0"/>
-              <a:t>다음날이 되면 플레이어가 도구를 </a:t>
-            </a:r>
-            <a:r>
-              <a:rPr lang="ko-KR" altLang="en-US" dirty="0" smtClean="0"/>
-              <a:t>들고 </a:t>
-            </a:r>
-            <a:r>
-              <a:rPr lang="ko-KR" altLang="en-US" dirty="0" smtClean="0"/>
-              <a:t>동물에게 생산물을 </a:t>
+              <a:t>다음날이 되면 플레이어가 도구를 들고 동물에게 생산물을 </a:t>
             </a:r>
             <a:r>
               <a:rPr lang="ko-KR" altLang="en-US" dirty="0" err="1" smtClean="0"/>
@@ -4745,7 +4733,6 @@
               <a:rPr lang="en-US" altLang="ko-KR" dirty="0" smtClean="0"/>
               <a:t>.</a:t>
             </a:r>
-            <a:endParaRPr lang="en-US" altLang="ko-KR" dirty="0" smtClean="0"/>
           </a:p>
           <a:p>
             <a:pPr>

--- a/GDD/컨셉/목축시스템.pptx
+++ b/GDD/컨셉/목축시스템.pptx
@@ -14,6 +14,8 @@
     <p:sldId id="262" r:id="rId8"/>
     <p:sldId id="261" r:id="rId9"/>
     <p:sldId id="263" r:id="rId10"/>
+    <p:sldId id="265" r:id="rId11"/>
+    <p:sldId id="266" r:id="rId12"/>
   </p:sldIdLst>
   <p:sldSz cx="12192000" cy="6858000"/>
   <p:notesSz cx="6858000" cy="9144000"/>
@@ -251,7 +253,7 @@
           <a:p>
             <a:fld id="{49275C52-1A75-4C5C-BFD7-66FA4DE417E4}" type="datetimeFigureOut">
               <a:rPr lang="ko-KR" altLang="en-US" smtClean="0"/>
-              <a:t>2022-09-07</a:t>
+              <a:t>2022-09-08</a:t>
             </a:fld>
             <a:endParaRPr lang="ko-KR" altLang="en-US"/>
           </a:p>
@@ -421,7 +423,7 @@
           <a:p>
             <a:fld id="{49275C52-1A75-4C5C-BFD7-66FA4DE417E4}" type="datetimeFigureOut">
               <a:rPr lang="ko-KR" altLang="en-US" smtClean="0"/>
-              <a:t>2022-09-07</a:t>
+              <a:t>2022-09-08</a:t>
             </a:fld>
             <a:endParaRPr lang="ko-KR" altLang="en-US"/>
           </a:p>
@@ -601,7 +603,7 @@
           <a:p>
             <a:fld id="{49275C52-1A75-4C5C-BFD7-66FA4DE417E4}" type="datetimeFigureOut">
               <a:rPr lang="ko-KR" altLang="en-US" smtClean="0"/>
-              <a:t>2022-09-07</a:t>
+              <a:t>2022-09-08</a:t>
             </a:fld>
             <a:endParaRPr lang="ko-KR" altLang="en-US"/>
           </a:p>
@@ -771,7 +773,7 @@
           <a:p>
             <a:fld id="{49275C52-1A75-4C5C-BFD7-66FA4DE417E4}" type="datetimeFigureOut">
               <a:rPr lang="ko-KR" altLang="en-US" smtClean="0"/>
-              <a:t>2022-09-07</a:t>
+              <a:t>2022-09-08</a:t>
             </a:fld>
             <a:endParaRPr lang="ko-KR" altLang="en-US"/>
           </a:p>
@@ -1017,7 +1019,7 @@
           <a:p>
             <a:fld id="{49275C52-1A75-4C5C-BFD7-66FA4DE417E4}" type="datetimeFigureOut">
               <a:rPr lang="ko-KR" altLang="en-US" smtClean="0"/>
-              <a:t>2022-09-07</a:t>
+              <a:t>2022-09-08</a:t>
             </a:fld>
             <a:endParaRPr lang="ko-KR" altLang="en-US"/>
           </a:p>
@@ -1249,7 +1251,7 @@
           <a:p>
             <a:fld id="{49275C52-1A75-4C5C-BFD7-66FA4DE417E4}" type="datetimeFigureOut">
               <a:rPr lang="ko-KR" altLang="en-US" smtClean="0"/>
-              <a:t>2022-09-07</a:t>
+              <a:t>2022-09-08</a:t>
             </a:fld>
             <a:endParaRPr lang="ko-KR" altLang="en-US"/>
           </a:p>
@@ -1616,7 +1618,7 @@
           <a:p>
             <a:fld id="{49275C52-1A75-4C5C-BFD7-66FA4DE417E4}" type="datetimeFigureOut">
               <a:rPr lang="ko-KR" altLang="en-US" smtClean="0"/>
-              <a:t>2022-09-07</a:t>
+              <a:t>2022-09-08</a:t>
             </a:fld>
             <a:endParaRPr lang="ko-KR" altLang="en-US"/>
           </a:p>
@@ -1734,7 +1736,7 @@
           <a:p>
             <a:fld id="{49275C52-1A75-4C5C-BFD7-66FA4DE417E4}" type="datetimeFigureOut">
               <a:rPr lang="ko-KR" altLang="en-US" smtClean="0"/>
-              <a:t>2022-09-07</a:t>
+              <a:t>2022-09-08</a:t>
             </a:fld>
             <a:endParaRPr lang="ko-KR" altLang="en-US"/>
           </a:p>
@@ -1829,7 +1831,7 @@
           <a:p>
             <a:fld id="{49275C52-1A75-4C5C-BFD7-66FA4DE417E4}" type="datetimeFigureOut">
               <a:rPr lang="ko-KR" altLang="en-US" smtClean="0"/>
-              <a:t>2022-09-07</a:t>
+              <a:t>2022-09-08</a:t>
             </a:fld>
             <a:endParaRPr lang="ko-KR" altLang="en-US"/>
           </a:p>
@@ -2106,7 +2108,7 @@
           <a:p>
             <a:fld id="{49275C52-1A75-4C5C-BFD7-66FA4DE417E4}" type="datetimeFigureOut">
               <a:rPr lang="ko-KR" altLang="en-US" smtClean="0"/>
-              <a:t>2022-09-07</a:t>
+              <a:t>2022-09-08</a:t>
             </a:fld>
             <a:endParaRPr lang="ko-KR" altLang="en-US"/>
           </a:p>
@@ -2359,7 +2361,7 @@
           <a:p>
             <a:fld id="{49275C52-1A75-4C5C-BFD7-66FA4DE417E4}" type="datetimeFigureOut">
               <a:rPr lang="ko-KR" altLang="en-US" smtClean="0"/>
-              <a:t>2022-09-07</a:t>
+              <a:t>2022-09-08</a:t>
             </a:fld>
             <a:endParaRPr lang="ko-KR" altLang="en-US"/>
           </a:p>
@@ -2572,7 +2574,7 @@
           <a:p>
             <a:fld id="{49275C52-1A75-4C5C-BFD7-66FA4DE417E4}" type="datetimeFigureOut">
               <a:rPr lang="ko-KR" altLang="en-US" smtClean="0"/>
-              <a:t>2022-09-07</a:t>
+              <a:t>2022-09-08</a:t>
             </a:fld>
             <a:endParaRPr lang="ko-KR" altLang="en-US"/>
           </a:p>
@@ -3021,6 +3023,420 @@
 </p:sld>
 </file>
 
+<file path=ppt/slides/slide10.xml><?xml version="1.0" encoding="utf-8"?>
+<p:sld xmlns:a="http://schemas.openxmlformats.org/drawingml/2006/main" xmlns:r="http://schemas.openxmlformats.org/officeDocument/2006/relationships" xmlns:p="http://schemas.openxmlformats.org/presentationml/2006/main">
+  <p:cSld>
+    <p:spTree>
+      <p:nvGrpSpPr>
+        <p:cNvPr id="1" name=""/>
+        <p:cNvGrpSpPr/>
+        <p:nvPr/>
+      </p:nvGrpSpPr>
+      <p:grpSpPr>
+        <a:xfrm>
+          <a:off x="0" y="0"/>
+          <a:ext cx="0" cy="0"/>
+          <a:chOff x="0" y="0"/>
+          <a:chExt cx="0" cy="0"/>
+        </a:xfrm>
+      </p:grpSpPr>
+      <p:sp>
+        <p:nvSpPr>
+          <p:cNvPr id="3" name="내용 개체 틀 2"/>
+          <p:cNvSpPr>
+            <a:spLocks noGrp="1"/>
+          </p:cNvSpPr>
+          <p:nvPr>
+            <p:ph idx="1"/>
+          </p:nvPr>
+        </p:nvSpPr>
+        <p:spPr>
+          <a:xfrm>
+            <a:off x="838200" y="1825625"/>
+            <a:ext cx="4872644" cy="4351338"/>
+          </a:xfrm>
+        </p:spPr>
+        <p:txBody>
+          <a:bodyPr/>
+          <a:lstStyle/>
+          <a:p>
+            <a:r>
+              <a:rPr lang="ko-KR" altLang="en-US" dirty="0" smtClean="0"/>
+              <a:t>모든 건축물들은 플레이어가 건축물의 뒤로 </a:t>
+            </a:r>
+            <a:r>
+              <a:rPr lang="ko-KR" altLang="en-US" dirty="0" err="1" smtClean="0"/>
+              <a:t>이동할때</a:t>
+            </a:r>
+            <a:r>
+              <a:rPr lang="ko-KR" altLang="en-US" dirty="0" smtClean="0"/>
+              <a:t> </a:t>
+            </a:r>
+            <a:r>
+              <a:rPr lang="ko-KR" altLang="en-US" dirty="0" err="1" smtClean="0"/>
+              <a:t>반투명해져야한다</a:t>
+            </a:r>
+            <a:r>
+              <a:rPr lang="en-US" altLang="ko-KR" dirty="0" smtClean="0"/>
+              <a:t>.</a:t>
+            </a:r>
+            <a:endParaRPr lang="ko-KR" altLang="en-US" dirty="0"/>
+          </a:p>
+        </p:txBody>
+      </p:sp>
+      <p:pic>
+        <p:nvPicPr>
+          <p:cNvPr id="4" name="그림 3"/>
+          <p:cNvPicPr>
+            <a:picLocks noChangeAspect="1"/>
+          </p:cNvPicPr>
+          <p:nvPr/>
+        </p:nvPicPr>
+        <p:blipFill>
+          <a:blip r:embed="rId2"/>
+          <a:stretch>
+            <a:fillRect/>
+          </a:stretch>
+        </p:blipFill>
+        <p:spPr>
+          <a:xfrm>
+            <a:off x="6278479" y="1825625"/>
+            <a:ext cx="4075892" cy="3828869"/>
+          </a:xfrm>
+          <a:prstGeom prst="rect">
+            <a:avLst/>
+          </a:prstGeom>
+        </p:spPr>
+      </p:pic>
+    </p:spTree>
+    <p:extLst>
+      <p:ext uri="{BB962C8B-B14F-4D97-AF65-F5344CB8AC3E}">
+        <p14:creationId xmlns:p14="http://schemas.microsoft.com/office/powerpoint/2010/main" val="2750498625"/>
+      </p:ext>
+    </p:extLst>
+  </p:cSld>
+  <p:clrMapOvr>
+    <a:masterClrMapping/>
+  </p:clrMapOvr>
+</p:sld>
+</file>
+
+<file path=ppt/slides/slide11.xml><?xml version="1.0" encoding="utf-8"?>
+<p:sld xmlns:a="http://schemas.openxmlformats.org/drawingml/2006/main" xmlns:r="http://schemas.openxmlformats.org/officeDocument/2006/relationships" xmlns:p="http://schemas.openxmlformats.org/presentationml/2006/main">
+  <p:cSld>
+    <p:spTree>
+      <p:nvGrpSpPr>
+        <p:cNvPr id="1" name=""/>
+        <p:cNvGrpSpPr/>
+        <p:nvPr/>
+      </p:nvGrpSpPr>
+      <p:grpSpPr>
+        <a:xfrm>
+          <a:off x="0" y="0"/>
+          <a:ext cx="0" cy="0"/>
+          <a:chOff x="0" y="0"/>
+          <a:chExt cx="0" cy="0"/>
+        </a:xfrm>
+      </p:grpSpPr>
+      <p:sp>
+        <p:nvSpPr>
+          <p:cNvPr id="13" name="TextBox 12"/>
+          <p:cNvSpPr txBox="1"/>
+          <p:nvPr/>
+        </p:nvSpPr>
+        <p:spPr>
+          <a:xfrm>
+            <a:off x="475374" y="360648"/>
+            <a:ext cx="2380780" cy="584775"/>
+          </a:xfrm>
+          <a:prstGeom prst="rect">
+            <a:avLst/>
+          </a:prstGeom>
+          <a:noFill/>
+        </p:spPr>
+        <p:txBody>
+          <a:bodyPr wrap="none" rtlCol="0">
+            <a:spAutoFit/>
+          </a:bodyPr>
+          <a:lstStyle/>
+          <a:p>
+            <a:r>
+              <a:rPr lang="ko-KR" altLang="en-US" sz="3200" b="1" dirty="0" err="1" smtClean="0"/>
+              <a:t>사일로</a:t>
+            </a:r>
+            <a:r>
+              <a:rPr lang="ko-KR" altLang="en-US" sz="3200" b="1" dirty="0" smtClean="0"/>
+              <a:t> 구조</a:t>
+            </a:r>
+            <a:endParaRPr lang="ko-KR" altLang="en-US" sz="3200" b="1" dirty="0"/>
+          </a:p>
+        </p:txBody>
+      </p:sp>
+      <p:sp>
+        <p:nvSpPr>
+          <p:cNvPr id="14" name="TextBox 13"/>
+          <p:cNvSpPr txBox="1"/>
+          <p:nvPr/>
+        </p:nvSpPr>
+        <p:spPr>
+          <a:xfrm>
+            <a:off x="639291" y="1178449"/>
+            <a:ext cx="10537797" cy="3693319"/>
+          </a:xfrm>
+          <a:prstGeom prst="rect">
+            <a:avLst/>
+          </a:prstGeom>
+          <a:noFill/>
+        </p:spPr>
+        <p:txBody>
+          <a:bodyPr wrap="square" rtlCol="0">
+            <a:spAutoFit/>
+          </a:bodyPr>
+          <a:lstStyle/>
+          <a:p>
+            <a:pPr>
+              <a:lnSpc>
+                <a:spcPct val="150000"/>
+              </a:lnSpc>
+            </a:pPr>
+            <a:endParaRPr lang="en-US" altLang="ko-KR" dirty="0" smtClean="0"/>
+          </a:p>
+          <a:p>
+            <a:pPr fontAlgn="base"/>
+            <a:r>
+              <a:rPr lang="ko-KR" altLang="en-US" dirty="0" smtClean="0"/>
+              <a:t>플레이어가</a:t>
+            </a:r>
+            <a:r>
+              <a:rPr lang="ko-KR" altLang="en-US" dirty="0"/>
+              <a:t> 낫으로 </a:t>
+            </a:r>
+            <a:r>
+              <a:rPr lang="ko-KR" altLang="en-US" dirty="0" smtClean="0"/>
+              <a:t>잔디를 </a:t>
+            </a:r>
+            <a:r>
+              <a:rPr lang="ko-KR" altLang="en-US" dirty="0"/>
+              <a:t>벨 </a:t>
+            </a:r>
+            <a:r>
+              <a:rPr lang="ko-KR" altLang="en-US" dirty="0" smtClean="0"/>
+              <a:t>때</a:t>
+            </a:r>
+            <a:r>
+              <a:rPr lang="en-US" altLang="ko-KR" dirty="0" smtClean="0"/>
+              <a:t>(</a:t>
+            </a:r>
+            <a:r>
+              <a:rPr lang="ko-KR" altLang="en-US" dirty="0" smtClean="0"/>
+              <a:t>검으로는 안됨</a:t>
+            </a:r>
+            <a:r>
+              <a:rPr lang="en-US" altLang="ko-KR" dirty="0" smtClean="0"/>
+              <a:t>), </a:t>
+            </a:r>
+            <a:r>
+              <a:rPr lang="en-US" altLang="ko-KR" dirty="0"/>
+              <a:t>50%</a:t>
+            </a:r>
+            <a:r>
+              <a:rPr lang="ko-KR" altLang="en-US" dirty="0"/>
+              <a:t>의 확률로 저장고에 건초 </a:t>
+            </a:r>
+            <a:r>
+              <a:rPr lang="en-US" altLang="ko-KR" dirty="0"/>
+              <a:t>1</a:t>
+            </a:r>
+            <a:r>
+              <a:rPr lang="ko-KR" altLang="en-US" dirty="0"/>
+              <a:t>개가 추가됩니다</a:t>
+            </a:r>
+            <a:r>
+              <a:rPr lang="en-US" altLang="ko-KR" dirty="0"/>
+              <a:t>.</a:t>
+            </a:r>
+          </a:p>
+          <a:p>
+            <a:pPr>
+              <a:lnSpc>
+                <a:spcPct val="150000"/>
+              </a:lnSpc>
+            </a:pPr>
+            <a:r>
+              <a:rPr lang="ko-KR" altLang="en-US" dirty="0" smtClean="0"/>
+              <a:t>저장고 </a:t>
+            </a:r>
+            <a:r>
+              <a:rPr lang="ko-KR" altLang="en-US" dirty="0" err="1"/>
+              <a:t>한개당</a:t>
+            </a:r>
+            <a:r>
+              <a:rPr lang="ko-KR" altLang="en-US" dirty="0"/>
+              <a:t> 건초 </a:t>
+            </a:r>
+            <a:r>
+              <a:rPr lang="en-US" altLang="ko-KR" dirty="0"/>
+              <a:t>240</a:t>
+            </a:r>
+            <a:r>
+              <a:rPr lang="ko-KR" altLang="en-US" dirty="0"/>
+              <a:t>개를 보관할 수 있습니다</a:t>
+            </a:r>
+            <a:r>
+              <a:rPr lang="en-US" altLang="ko-KR" dirty="0"/>
+              <a:t>. </a:t>
+            </a:r>
+            <a:endParaRPr lang="en-US" altLang="ko-KR" dirty="0" smtClean="0"/>
+          </a:p>
+          <a:p>
+            <a:pPr>
+              <a:lnSpc>
+                <a:spcPct val="150000"/>
+              </a:lnSpc>
+            </a:pPr>
+            <a:r>
+              <a:rPr lang="ko-KR" altLang="en-US" dirty="0" smtClean="0"/>
+              <a:t>저장고를 </a:t>
+            </a:r>
+            <a:r>
+              <a:rPr lang="ko-KR" altLang="en-US" dirty="0"/>
+              <a:t>누르면 현재 저장량이 나타납니다</a:t>
+            </a:r>
+            <a:r>
+              <a:rPr lang="en-US" altLang="ko-KR" dirty="0"/>
+              <a:t>. </a:t>
+            </a:r>
+            <a:r>
+              <a:rPr lang="ko-KR" altLang="en-US" dirty="0" smtClean="0"/>
+              <a:t>농장에 </a:t>
+            </a:r>
+            <a:r>
+              <a:rPr lang="ko-KR" altLang="en-US" dirty="0"/>
+              <a:t>있는 </a:t>
+            </a:r>
+            <a:r>
+              <a:rPr lang="ko-KR" altLang="en-US" dirty="0" smtClean="0"/>
+              <a:t>모든</a:t>
+            </a:r>
+            <a:r>
+              <a:rPr lang="en-US" altLang="ko-KR" dirty="0" smtClean="0"/>
+              <a:t>!</a:t>
+            </a:r>
+            <a:r>
+              <a:rPr lang="ko-KR" altLang="en-US" dirty="0" smtClean="0"/>
+              <a:t> </a:t>
+            </a:r>
+            <a:r>
+              <a:rPr lang="ko-KR" altLang="en-US" dirty="0"/>
+              <a:t>저장고의 최대 저장량과 보관 중인 </a:t>
+            </a:r>
+            <a:r>
+              <a:rPr lang="ko-KR" altLang="en-US" dirty="0" err="1"/>
+              <a:t>건초양이</a:t>
+            </a:r>
+            <a:r>
+              <a:rPr lang="ko-KR" altLang="en-US" dirty="0"/>
+              <a:t> 표시됩니다</a:t>
+            </a:r>
+            <a:r>
+              <a:rPr lang="en-US" altLang="ko-KR" dirty="0" smtClean="0"/>
+              <a:t>.</a:t>
+            </a:r>
+          </a:p>
+          <a:p>
+            <a:pPr>
+              <a:lnSpc>
+                <a:spcPct val="150000"/>
+              </a:lnSpc>
+            </a:pPr>
+            <a:endParaRPr lang="en-US" altLang="ko-KR" dirty="0"/>
+          </a:p>
+          <a:p>
+            <a:pPr>
+              <a:lnSpc>
+                <a:spcPct val="150000"/>
+              </a:lnSpc>
+            </a:pPr>
+            <a:endParaRPr lang="en-US" altLang="ko-KR" dirty="0" smtClean="0"/>
+          </a:p>
+          <a:p>
+            <a:pPr>
+              <a:lnSpc>
+                <a:spcPct val="150000"/>
+              </a:lnSpc>
+            </a:pPr>
+            <a:r>
+              <a:rPr lang="ko-KR" altLang="en-US" dirty="0" smtClean="0"/>
+              <a:t>건초를 </a:t>
+            </a:r>
+            <a:r>
+              <a:rPr lang="ko-KR" altLang="en-US" dirty="0" err="1" smtClean="0"/>
+              <a:t>꺼내는법은</a:t>
+            </a:r>
+            <a:r>
+              <a:rPr lang="ko-KR" altLang="en-US" dirty="0" smtClean="0"/>
+              <a:t> 닭장 내부에 있는 </a:t>
+            </a:r>
+            <a:r>
+              <a:rPr lang="ko-KR" altLang="en-US" dirty="0" err="1" smtClean="0"/>
+              <a:t>사료호퍼를</a:t>
+            </a:r>
+            <a:r>
+              <a:rPr lang="ko-KR" altLang="en-US" dirty="0" smtClean="0"/>
+              <a:t> 통해 획득 가능함</a:t>
+            </a:r>
+            <a:r>
+              <a:rPr lang="en-US" altLang="ko-KR" smtClean="0"/>
+              <a:t>.</a:t>
+            </a:r>
+          </a:p>
+          <a:p>
+            <a:pPr>
+              <a:lnSpc>
+                <a:spcPct val="150000"/>
+              </a:lnSpc>
+            </a:pPr>
+            <a:endParaRPr lang="en-US" altLang="ko-KR" dirty="0"/>
+          </a:p>
+        </p:txBody>
+      </p:sp>
+      <p:pic>
+        <p:nvPicPr>
+          <p:cNvPr id="2" name="그림 1"/>
+          <p:cNvPicPr>
+            <a:picLocks noChangeAspect="1"/>
+          </p:cNvPicPr>
+          <p:nvPr/>
+        </p:nvPicPr>
+        <p:blipFill>
+          <a:blip r:embed="rId2"/>
+          <a:stretch>
+            <a:fillRect/>
+          </a:stretch>
+        </p:blipFill>
+        <p:spPr>
+          <a:xfrm>
+            <a:off x="8841105" y="3278071"/>
+            <a:ext cx="1276350" cy="1000125"/>
+          </a:xfrm>
+          <a:prstGeom prst="rect">
+            <a:avLst/>
+          </a:prstGeom>
+        </p:spPr>
+      </p:pic>
+    </p:spTree>
+    <p:extLst>
+      <p:ext uri="{BB962C8B-B14F-4D97-AF65-F5344CB8AC3E}">
+        <p14:creationId xmlns:p14="http://schemas.microsoft.com/office/powerpoint/2010/main" val="3837473865"/>
+      </p:ext>
+    </p:extLst>
+  </p:cSld>
+  <p:clrMapOvr>
+    <a:masterClrMapping/>
+  </p:clrMapOvr>
+</p:sld>
+</file>
+
 <file path=ppt/slides/slide2.xml><?xml version="1.0" encoding="utf-8"?>
 <p:sld xmlns:a="http://schemas.openxmlformats.org/drawingml/2006/main" xmlns:r="http://schemas.openxmlformats.org/officeDocument/2006/relationships" xmlns:p="http://schemas.openxmlformats.org/presentationml/2006/main">
   <p:cSld>
@@ -4178,12 +4594,28 @@
               <a:buAutoNum type="arabicPeriod"/>
             </a:pPr>
             <a:r>
+              <a:rPr lang="en-US" altLang="ko-KR" dirty="0" smtClean="0"/>
+              <a:t>(</a:t>
+            </a:r>
+            <a:r>
+              <a:rPr lang="ko-KR" altLang="en-US" dirty="0" err="1" smtClean="0"/>
+              <a:t>외양간동물만해당함</a:t>
+            </a:r>
+            <a:r>
+              <a:rPr lang="en-US" altLang="ko-KR" dirty="0" smtClean="0"/>
+              <a:t>)</a:t>
+            </a:r>
+            <a:r>
               <a:rPr lang="ko-KR" altLang="en-US" dirty="0" err="1" smtClean="0"/>
               <a:t>축산도구를</a:t>
             </a:r>
             <a:r>
               <a:rPr lang="ko-KR" altLang="en-US" dirty="0" smtClean="0"/>
-              <a:t> 사용해 동물의 생산품을 얻는다</a:t>
+              <a:t> </a:t>
+            </a:r>
+            <a:r>
+              <a:rPr lang="ko-KR" altLang="en-US" dirty="0" smtClean="0"/>
+              <a:t>사용해 동물의 생산품을 얻는다</a:t>
             </a:r>
             <a:r>
               <a:rPr lang="en-US" altLang="ko-KR" dirty="0" smtClean="0"/>

--- a/GDD/컨셉/목축시스템.pptx
+++ b/GDD/컨셉/목축시스템.pptx
@@ -16,6 +16,7 @@
     <p:sldId id="263" r:id="rId10"/>
     <p:sldId id="265" r:id="rId11"/>
     <p:sldId id="266" r:id="rId12"/>
+    <p:sldId id="267" r:id="rId13"/>
   </p:sldIdLst>
   <p:sldSz cx="12192000" cy="6858000"/>
   <p:notesSz cx="6858000" cy="9144000"/>
@@ -253,7 +254,7 @@
           <a:p>
             <a:fld id="{49275C52-1A75-4C5C-BFD7-66FA4DE417E4}" type="datetimeFigureOut">
               <a:rPr lang="ko-KR" altLang="en-US" smtClean="0"/>
-              <a:t>2022-09-08</a:t>
+              <a:t>2022-09-13</a:t>
             </a:fld>
             <a:endParaRPr lang="ko-KR" altLang="en-US"/>
           </a:p>
@@ -423,7 +424,7 @@
           <a:p>
             <a:fld id="{49275C52-1A75-4C5C-BFD7-66FA4DE417E4}" type="datetimeFigureOut">
               <a:rPr lang="ko-KR" altLang="en-US" smtClean="0"/>
-              <a:t>2022-09-08</a:t>
+              <a:t>2022-09-13</a:t>
             </a:fld>
             <a:endParaRPr lang="ko-KR" altLang="en-US"/>
           </a:p>
@@ -603,7 +604,7 @@
           <a:p>
             <a:fld id="{49275C52-1A75-4C5C-BFD7-66FA4DE417E4}" type="datetimeFigureOut">
               <a:rPr lang="ko-KR" altLang="en-US" smtClean="0"/>
-              <a:t>2022-09-08</a:t>
+              <a:t>2022-09-13</a:t>
             </a:fld>
             <a:endParaRPr lang="ko-KR" altLang="en-US"/>
           </a:p>
@@ -773,7 +774,7 @@
           <a:p>
             <a:fld id="{49275C52-1A75-4C5C-BFD7-66FA4DE417E4}" type="datetimeFigureOut">
               <a:rPr lang="ko-KR" altLang="en-US" smtClean="0"/>
-              <a:t>2022-09-08</a:t>
+              <a:t>2022-09-13</a:t>
             </a:fld>
             <a:endParaRPr lang="ko-KR" altLang="en-US"/>
           </a:p>
@@ -1019,7 +1020,7 @@
           <a:p>
             <a:fld id="{49275C52-1A75-4C5C-BFD7-66FA4DE417E4}" type="datetimeFigureOut">
               <a:rPr lang="ko-KR" altLang="en-US" smtClean="0"/>
-              <a:t>2022-09-08</a:t>
+              <a:t>2022-09-13</a:t>
             </a:fld>
             <a:endParaRPr lang="ko-KR" altLang="en-US"/>
           </a:p>
@@ -1251,7 +1252,7 @@
           <a:p>
             <a:fld id="{49275C52-1A75-4C5C-BFD7-66FA4DE417E4}" type="datetimeFigureOut">
               <a:rPr lang="ko-KR" altLang="en-US" smtClean="0"/>
-              <a:t>2022-09-08</a:t>
+              <a:t>2022-09-13</a:t>
             </a:fld>
             <a:endParaRPr lang="ko-KR" altLang="en-US"/>
           </a:p>
@@ -1618,7 +1619,7 @@
           <a:p>
             <a:fld id="{49275C52-1A75-4C5C-BFD7-66FA4DE417E4}" type="datetimeFigureOut">
               <a:rPr lang="ko-KR" altLang="en-US" smtClean="0"/>
-              <a:t>2022-09-08</a:t>
+              <a:t>2022-09-13</a:t>
             </a:fld>
             <a:endParaRPr lang="ko-KR" altLang="en-US"/>
           </a:p>
@@ -1736,7 +1737,7 @@
           <a:p>
             <a:fld id="{49275C52-1A75-4C5C-BFD7-66FA4DE417E4}" type="datetimeFigureOut">
               <a:rPr lang="ko-KR" altLang="en-US" smtClean="0"/>
-              <a:t>2022-09-08</a:t>
+              <a:t>2022-09-13</a:t>
             </a:fld>
             <a:endParaRPr lang="ko-KR" altLang="en-US"/>
           </a:p>
@@ -1831,7 +1832,7 @@
           <a:p>
             <a:fld id="{49275C52-1A75-4C5C-BFD7-66FA4DE417E4}" type="datetimeFigureOut">
               <a:rPr lang="ko-KR" altLang="en-US" smtClean="0"/>
-              <a:t>2022-09-08</a:t>
+              <a:t>2022-09-13</a:t>
             </a:fld>
             <a:endParaRPr lang="ko-KR" altLang="en-US"/>
           </a:p>
@@ -2108,7 +2109,7 @@
           <a:p>
             <a:fld id="{49275C52-1A75-4C5C-BFD7-66FA4DE417E4}" type="datetimeFigureOut">
               <a:rPr lang="ko-KR" altLang="en-US" smtClean="0"/>
-              <a:t>2022-09-08</a:t>
+              <a:t>2022-09-13</a:t>
             </a:fld>
             <a:endParaRPr lang="ko-KR" altLang="en-US"/>
           </a:p>
@@ -2361,7 +2362,7 @@
           <a:p>
             <a:fld id="{49275C52-1A75-4C5C-BFD7-66FA4DE417E4}" type="datetimeFigureOut">
               <a:rPr lang="ko-KR" altLang="en-US" smtClean="0"/>
-              <a:t>2022-09-08</a:t>
+              <a:t>2022-09-13</a:t>
             </a:fld>
             <a:endParaRPr lang="ko-KR" altLang="en-US"/>
           </a:p>
@@ -2574,7 +2575,7 @@
           <a:p>
             <a:fld id="{49275C52-1A75-4C5C-BFD7-66FA4DE417E4}" type="datetimeFigureOut">
               <a:rPr lang="ko-KR" altLang="en-US" smtClean="0"/>
-              <a:t>2022-09-08</a:t>
+              <a:t>2022-09-13</a:t>
             </a:fld>
             <a:endParaRPr lang="ko-KR" altLang="en-US"/>
           </a:p>
@@ -3371,11 +3372,15 @@
             </a:r>
             <a:r>
               <a:rPr lang="ko-KR" altLang="en-US" dirty="0" err="1" smtClean="0"/>
-              <a:t>꺼내는법은</a:t>
-            </a:r>
-            <a:r>
-              <a:rPr lang="ko-KR" altLang="en-US" dirty="0" smtClean="0"/>
-              <a:t> 닭장 내부에 있는 </a:t>
+              <a:t>꺼내는법</a:t>
+            </a:r>
+            <a:r>
+              <a:rPr lang="ko-KR" altLang="en-US" dirty="0" smtClean="0"/>
+              <a:t> </a:t>
+            </a:r>
+            <a:r>
+              <a:rPr lang="ko-KR" altLang="en-US" dirty="0" smtClean="0"/>
+              <a:t>닭장 내부에 있는 </a:t>
             </a:r>
             <a:r>
               <a:rPr lang="ko-KR" altLang="en-US" dirty="0" err="1" smtClean="0"/>
@@ -3386,7 +3391,7 @@
               <a:t> 통해 획득 가능함</a:t>
             </a:r>
             <a:r>
-              <a:rPr lang="en-US" altLang="ko-KR" smtClean="0"/>
+              <a:rPr lang="en-US" altLang="ko-KR" dirty="0" smtClean="0"/>
               <a:t>.</a:t>
             </a:r>
           </a:p>
@@ -3428,6 +3433,153 @@
     <p:extLst>
       <p:ext uri="{BB962C8B-B14F-4D97-AF65-F5344CB8AC3E}">
         <p14:creationId xmlns:p14="http://schemas.microsoft.com/office/powerpoint/2010/main" val="3837473865"/>
+      </p:ext>
+    </p:extLst>
+  </p:cSld>
+  <p:clrMapOvr>
+    <a:masterClrMapping/>
+  </p:clrMapOvr>
+</p:sld>
+</file>
+
+<file path=ppt/slides/slide12.xml><?xml version="1.0" encoding="utf-8"?>
+<p:sld xmlns:a="http://schemas.openxmlformats.org/drawingml/2006/main" xmlns:r="http://schemas.openxmlformats.org/officeDocument/2006/relationships" xmlns:p="http://schemas.openxmlformats.org/presentationml/2006/main">
+  <p:cSld>
+    <p:spTree>
+      <p:nvGrpSpPr>
+        <p:cNvPr id="1" name=""/>
+        <p:cNvGrpSpPr/>
+        <p:nvPr/>
+      </p:nvGrpSpPr>
+      <p:grpSpPr>
+        <a:xfrm>
+          <a:off x="0" y="0"/>
+          <a:ext cx="0" cy="0"/>
+          <a:chOff x="0" y="0"/>
+          <a:chExt cx="0" cy="0"/>
+        </a:xfrm>
+      </p:grpSpPr>
+      <p:sp>
+        <p:nvSpPr>
+          <p:cNvPr id="13" name="TextBox 12"/>
+          <p:cNvSpPr txBox="1"/>
+          <p:nvPr/>
+        </p:nvSpPr>
+        <p:spPr>
+          <a:xfrm>
+            <a:off x="475374" y="360648"/>
+            <a:ext cx="1005403" cy="584775"/>
+          </a:xfrm>
+          <a:prstGeom prst="rect">
+            <a:avLst/>
+          </a:prstGeom>
+          <a:noFill/>
+        </p:spPr>
+        <p:txBody>
+          <a:bodyPr wrap="none" rtlCol="0">
+            <a:spAutoFit/>
+          </a:bodyPr>
+          <a:lstStyle/>
+          <a:p>
+            <a:r>
+              <a:rPr lang="ko-KR" altLang="en-US" sz="3200" b="1" dirty="0" smtClean="0"/>
+              <a:t>할거</a:t>
+            </a:r>
+            <a:endParaRPr lang="ko-KR" altLang="en-US" sz="3200" b="1" dirty="0"/>
+          </a:p>
+        </p:txBody>
+      </p:sp>
+      <p:sp>
+        <p:nvSpPr>
+          <p:cNvPr id="14" name="TextBox 13"/>
+          <p:cNvSpPr txBox="1"/>
+          <p:nvPr/>
+        </p:nvSpPr>
+        <p:spPr>
+          <a:xfrm>
+            <a:off x="639291" y="1178449"/>
+            <a:ext cx="10537797" cy="1754326"/>
+          </a:xfrm>
+          <a:prstGeom prst="rect">
+            <a:avLst/>
+          </a:prstGeom>
+          <a:noFill/>
+        </p:spPr>
+        <p:txBody>
+          <a:bodyPr wrap="square" rtlCol="0">
+            <a:spAutoFit/>
+          </a:bodyPr>
+          <a:lstStyle/>
+          <a:p>
+            <a:pPr>
+              <a:lnSpc>
+                <a:spcPct val="150000"/>
+              </a:lnSpc>
+            </a:pPr>
+            <a:r>
+              <a:rPr lang="ko-KR" altLang="en-US" dirty="0" err="1" smtClean="0"/>
+              <a:t>건초의양이</a:t>
+            </a:r>
+            <a:r>
+              <a:rPr lang="ko-KR" altLang="en-US" dirty="0" smtClean="0"/>
+              <a:t> </a:t>
+            </a:r>
+            <a:r>
+              <a:rPr lang="ko-KR" altLang="en-US" dirty="0" err="1" smtClean="0"/>
+              <a:t>넘칠때</a:t>
+            </a:r>
+            <a:endParaRPr lang="en-US" altLang="ko-KR" dirty="0" smtClean="0"/>
+          </a:p>
+          <a:p>
+            <a:pPr>
+              <a:lnSpc>
+                <a:spcPct val="150000"/>
+              </a:lnSpc>
+            </a:pPr>
+            <a:r>
+              <a:rPr lang="ko-KR" altLang="en-US" dirty="0" smtClean="0"/>
+              <a:t>동물들 </a:t>
+            </a:r>
+            <a:r>
+              <a:rPr lang="en-US" altLang="ko-KR" dirty="0" err="1" smtClean="0"/>
+              <a:t>ui</a:t>
+            </a:r>
+            <a:endParaRPr lang="en-US" altLang="ko-KR" dirty="0" smtClean="0"/>
+          </a:p>
+          <a:p>
+            <a:pPr>
+              <a:lnSpc>
+                <a:spcPct val="150000"/>
+              </a:lnSpc>
+            </a:pPr>
+            <a:r>
+              <a:rPr lang="ko-KR" altLang="en-US" dirty="0" err="1" smtClean="0"/>
+              <a:t>사일로</a:t>
+            </a:r>
+            <a:r>
+              <a:rPr lang="ko-KR" altLang="en-US" dirty="0" smtClean="0"/>
+              <a:t> </a:t>
+            </a:r>
+            <a:r>
+              <a:rPr lang="en-US" altLang="ko-KR" dirty="0" err="1" smtClean="0"/>
+              <a:t>ui</a:t>
+            </a:r>
+            <a:endParaRPr lang="en-US" altLang="ko-KR" dirty="0" smtClean="0"/>
+          </a:p>
+          <a:p>
+            <a:pPr>
+              <a:lnSpc>
+                <a:spcPct val="150000"/>
+              </a:lnSpc>
+            </a:pPr>
+            <a:endParaRPr lang="en-US" altLang="ko-KR" dirty="0"/>
+          </a:p>
+        </p:txBody>
+      </p:sp>
+    </p:spTree>
+    <p:extLst>
+      <p:ext uri="{BB962C8B-B14F-4D97-AF65-F5344CB8AC3E}">
+        <p14:creationId xmlns:p14="http://schemas.microsoft.com/office/powerpoint/2010/main" val="3769282465"/>
       </p:ext>
     </p:extLst>
   </p:cSld>
@@ -4611,11 +4763,7 @@
             </a:r>
             <a:r>
               <a:rPr lang="ko-KR" altLang="en-US" dirty="0" smtClean="0"/>
-              <a:t> </a:t>
-            </a:r>
-            <a:r>
-              <a:rPr lang="ko-KR" altLang="en-US" dirty="0" smtClean="0"/>
-              <a:t>사용해 동물의 생산품을 얻는다</a:t>
+              <a:t> 사용해 동물의 생산품을 얻는다</a:t>
             </a:r>
             <a:r>
               <a:rPr lang="en-US" altLang="ko-KR" dirty="0" smtClean="0"/>

--- a/GDD/컨셉/목축시스템.pptx
+++ b/GDD/컨셉/목축시스템.pptx
@@ -254,7 +254,7 @@
           <a:p>
             <a:fld id="{49275C52-1A75-4C5C-BFD7-66FA4DE417E4}" type="datetimeFigureOut">
               <a:rPr lang="ko-KR" altLang="en-US" smtClean="0"/>
-              <a:t>2022-09-13</a:t>
+              <a:t>2022-09-14</a:t>
             </a:fld>
             <a:endParaRPr lang="ko-KR" altLang="en-US"/>
           </a:p>
@@ -424,7 +424,7 @@
           <a:p>
             <a:fld id="{49275C52-1A75-4C5C-BFD7-66FA4DE417E4}" type="datetimeFigureOut">
               <a:rPr lang="ko-KR" altLang="en-US" smtClean="0"/>
-              <a:t>2022-09-13</a:t>
+              <a:t>2022-09-14</a:t>
             </a:fld>
             <a:endParaRPr lang="ko-KR" altLang="en-US"/>
           </a:p>
@@ -604,7 +604,7 @@
           <a:p>
             <a:fld id="{49275C52-1A75-4C5C-BFD7-66FA4DE417E4}" type="datetimeFigureOut">
               <a:rPr lang="ko-KR" altLang="en-US" smtClean="0"/>
-              <a:t>2022-09-13</a:t>
+              <a:t>2022-09-14</a:t>
             </a:fld>
             <a:endParaRPr lang="ko-KR" altLang="en-US"/>
           </a:p>
@@ -774,7 +774,7 @@
           <a:p>
             <a:fld id="{49275C52-1A75-4C5C-BFD7-66FA4DE417E4}" type="datetimeFigureOut">
               <a:rPr lang="ko-KR" altLang="en-US" smtClean="0"/>
-              <a:t>2022-09-13</a:t>
+              <a:t>2022-09-14</a:t>
             </a:fld>
             <a:endParaRPr lang="ko-KR" altLang="en-US"/>
           </a:p>
@@ -1020,7 +1020,7 @@
           <a:p>
             <a:fld id="{49275C52-1A75-4C5C-BFD7-66FA4DE417E4}" type="datetimeFigureOut">
               <a:rPr lang="ko-KR" altLang="en-US" smtClean="0"/>
-              <a:t>2022-09-13</a:t>
+              <a:t>2022-09-14</a:t>
             </a:fld>
             <a:endParaRPr lang="ko-KR" altLang="en-US"/>
           </a:p>
@@ -1252,7 +1252,7 @@
           <a:p>
             <a:fld id="{49275C52-1A75-4C5C-BFD7-66FA4DE417E4}" type="datetimeFigureOut">
               <a:rPr lang="ko-KR" altLang="en-US" smtClean="0"/>
-              <a:t>2022-09-13</a:t>
+              <a:t>2022-09-14</a:t>
             </a:fld>
             <a:endParaRPr lang="ko-KR" altLang="en-US"/>
           </a:p>
@@ -1619,7 +1619,7 @@
           <a:p>
             <a:fld id="{49275C52-1A75-4C5C-BFD7-66FA4DE417E4}" type="datetimeFigureOut">
               <a:rPr lang="ko-KR" altLang="en-US" smtClean="0"/>
-              <a:t>2022-09-13</a:t>
+              <a:t>2022-09-14</a:t>
             </a:fld>
             <a:endParaRPr lang="ko-KR" altLang="en-US"/>
           </a:p>
@@ -1737,7 +1737,7 @@
           <a:p>
             <a:fld id="{49275C52-1A75-4C5C-BFD7-66FA4DE417E4}" type="datetimeFigureOut">
               <a:rPr lang="ko-KR" altLang="en-US" smtClean="0"/>
-              <a:t>2022-09-13</a:t>
+              <a:t>2022-09-14</a:t>
             </a:fld>
             <a:endParaRPr lang="ko-KR" altLang="en-US"/>
           </a:p>
@@ -1832,7 +1832,7 @@
           <a:p>
             <a:fld id="{49275C52-1A75-4C5C-BFD7-66FA4DE417E4}" type="datetimeFigureOut">
               <a:rPr lang="ko-KR" altLang="en-US" smtClean="0"/>
-              <a:t>2022-09-13</a:t>
+              <a:t>2022-09-14</a:t>
             </a:fld>
             <a:endParaRPr lang="ko-KR" altLang="en-US"/>
           </a:p>
@@ -2109,7 +2109,7 @@
           <a:p>
             <a:fld id="{49275C52-1A75-4C5C-BFD7-66FA4DE417E4}" type="datetimeFigureOut">
               <a:rPr lang="ko-KR" altLang="en-US" smtClean="0"/>
-              <a:t>2022-09-13</a:t>
+              <a:t>2022-09-14</a:t>
             </a:fld>
             <a:endParaRPr lang="ko-KR" altLang="en-US"/>
           </a:p>
@@ -2362,7 +2362,7 @@
           <a:p>
             <a:fld id="{49275C52-1A75-4C5C-BFD7-66FA4DE417E4}" type="datetimeFigureOut">
               <a:rPr lang="ko-KR" altLang="en-US" smtClean="0"/>
-              <a:t>2022-09-13</a:t>
+              <a:t>2022-09-14</a:t>
             </a:fld>
             <a:endParaRPr lang="ko-KR" altLang="en-US"/>
           </a:p>
@@ -2575,7 +2575,7 @@
           <a:p>
             <a:fld id="{49275C52-1A75-4C5C-BFD7-66FA4DE417E4}" type="datetimeFigureOut">
               <a:rPr lang="ko-KR" altLang="en-US" smtClean="0"/>
-              <a:t>2022-09-13</a:t>
+              <a:t>2022-09-14</a:t>
             </a:fld>
             <a:endParaRPr lang="ko-KR" altLang="en-US"/>
           </a:p>
@@ -3376,11 +3376,7 @@
             </a:r>
             <a:r>
               <a:rPr lang="ko-KR" altLang="en-US" dirty="0" smtClean="0"/>
-              <a:t> </a:t>
-            </a:r>
-            <a:r>
-              <a:rPr lang="ko-KR" altLang="en-US" dirty="0" smtClean="0"/>
-              <a:t>닭장 내부에 있는 </a:t>
+              <a:t> 닭장 내부에 있는 </a:t>
             </a:r>
             <a:r>
               <a:rPr lang="ko-KR" altLang="en-US" dirty="0" err="1" smtClean="0"/>
@@ -3497,8 +3493,8 @@
         </p:nvSpPr>
         <p:spPr>
           <a:xfrm>
-            <a:off x="639291" y="1178449"/>
-            <a:ext cx="10537797" cy="1754326"/>
+            <a:off x="614239" y="777616"/>
+            <a:ext cx="10537797" cy="6324808"/>
           </a:xfrm>
           <a:prstGeom prst="rect">
             <a:avLst/>
@@ -3517,6 +3513,10 @@
               </a:lnSpc>
             </a:pPr>
             <a:r>
+              <a:rPr lang="en-US" altLang="ko-KR" dirty="0" smtClean="0"/>
+              <a:t>//</a:t>
+            </a:r>
+            <a:r>
               <a:rPr lang="ko-KR" altLang="en-US" dirty="0" err="1" smtClean="0"/>
               <a:t>건초의양이</a:t>
             </a:r>
@@ -3564,6 +3564,50 @@
               <a:rPr lang="en-US" altLang="ko-KR" dirty="0" err="1" smtClean="0"/>
               <a:t>ui</a:t>
             </a:r>
+            <a:endParaRPr lang="en-US" altLang="ko-KR" dirty="0"/>
+          </a:p>
+          <a:p>
+            <a:pPr>
+              <a:lnSpc>
+                <a:spcPct val="150000"/>
+              </a:lnSpc>
+            </a:pPr>
+            <a:r>
+              <a:rPr lang="en-US" altLang="ko-KR" dirty="0" smtClean="0"/>
+              <a:t>//</a:t>
+            </a:r>
+            <a:r>
+              <a:rPr lang="ko-KR" altLang="en-US" dirty="0" err="1" smtClean="0"/>
+              <a:t>사일로가</a:t>
+            </a:r>
+            <a:r>
+              <a:rPr lang="ko-KR" altLang="en-US" dirty="0" smtClean="0"/>
+              <a:t> </a:t>
+            </a:r>
+            <a:r>
+              <a:rPr lang="ko-KR" altLang="en-US" dirty="0" err="1" smtClean="0"/>
+              <a:t>여러개일때</a:t>
+            </a:r>
+            <a:r>
+              <a:rPr lang="ko-KR" altLang="en-US" dirty="0" smtClean="0"/>
+              <a:t> 전체 건초를 </a:t>
+            </a:r>
+            <a:r>
+              <a:rPr lang="ko-KR" altLang="en-US" dirty="0" err="1" smtClean="0"/>
+              <a:t>표시해줘야함</a:t>
+            </a:r>
+            <a:r>
+              <a:rPr lang="ko-KR" altLang="en-US" dirty="0" smtClean="0"/>
+              <a:t> </a:t>
+            </a:r>
+            <a:r>
+              <a:rPr lang="en-US" altLang="ko-KR" dirty="0" smtClean="0"/>
+              <a:t>&lt; </a:t>
+            </a:r>
+            <a:r>
+              <a:rPr lang="ko-KR" altLang="en-US" dirty="0" err="1" smtClean="0"/>
+              <a:t>사일로매니저를만듦</a:t>
+            </a:r>
             <a:endParaRPr lang="en-US" altLang="ko-KR" dirty="0" smtClean="0"/>
           </a:p>
           <a:p>
@@ -3572,10 +3616,318 @@
                 <a:spcPct val="150000"/>
               </a:lnSpc>
             </a:pPr>
+            <a:r>
+              <a:rPr lang="ko-KR" altLang="en-US" dirty="0" err="1"/>
+              <a:t>건초의양</a:t>
+            </a:r>
+            <a:r>
+              <a:rPr lang="ko-KR" altLang="en-US" dirty="0"/>
+              <a:t> </a:t>
+            </a:r>
+            <a:r>
+              <a:rPr lang="en-US" altLang="ko-KR" dirty="0" smtClean="0"/>
+              <a:t>: </a:t>
+            </a:r>
+            <a:r>
+              <a:rPr lang="ko-KR" altLang="en-US" dirty="0" err="1" smtClean="0"/>
+              <a:t>남은건초</a:t>
+            </a:r>
+            <a:r>
+              <a:rPr lang="ko-KR" altLang="en-US" dirty="0" smtClean="0"/>
+              <a:t> </a:t>
+            </a:r>
+            <a:r>
+              <a:rPr lang="en-US" altLang="ko-KR" dirty="0" smtClean="0"/>
+              <a:t>/ </a:t>
+            </a:r>
+            <a:r>
+              <a:rPr lang="ko-KR" altLang="en-US" dirty="0" smtClean="0"/>
+              <a:t>전체 </a:t>
+            </a:r>
+            <a:r>
+              <a:rPr lang="ko-KR" altLang="en-US" dirty="0" err="1" smtClean="0"/>
+              <a:t>보관할수</a:t>
+            </a:r>
+            <a:r>
+              <a:rPr lang="ko-KR" altLang="en-US" dirty="0" smtClean="0"/>
+              <a:t> 있는 양</a:t>
+            </a:r>
+            <a:endParaRPr lang="en-US" altLang="ko-KR" dirty="0" smtClean="0"/>
+          </a:p>
+          <a:p>
+            <a:pPr>
+              <a:lnSpc>
+                <a:spcPct val="150000"/>
+              </a:lnSpc>
+            </a:pPr>
+            <a:r>
+              <a:rPr lang="ko-KR" altLang="en-US" dirty="0" err="1" smtClean="0"/>
+              <a:t>사료호퍼</a:t>
+            </a:r>
+            <a:r>
+              <a:rPr lang="ko-KR" altLang="en-US" dirty="0" smtClean="0"/>
+              <a:t> 구현해서 직접 건초를 놓고 동물들이 건초를 </a:t>
+            </a:r>
+            <a:r>
+              <a:rPr lang="ko-KR" altLang="en-US" dirty="0" err="1" smtClean="0"/>
+              <a:t>먹게하기</a:t>
+            </a:r>
+            <a:endParaRPr lang="en-US" altLang="ko-KR" dirty="0" smtClean="0"/>
+          </a:p>
+          <a:p>
+            <a:pPr>
+              <a:lnSpc>
+                <a:spcPct val="150000"/>
+              </a:lnSpc>
+            </a:pPr>
             <a:endParaRPr lang="en-US" altLang="ko-KR" dirty="0"/>
           </a:p>
-        </p:txBody>
-      </p:sp>
+          <a:p>
+            <a:pPr>
+              <a:lnSpc>
+                <a:spcPct val="150000"/>
+              </a:lnSpc>
+            </a:pPr>
+            <a:r>
+              <a:rPr lang="ko-KR" altLang="en-US" dirty="0" smtClean="0"/>
+              <a:t>동물 쓰다듬기 시작과 끝에 </a:t>
+            </a:r>
+            <a:r>
+              <a:rPr lang="ko-KR" altLang="en-US" dirty="0" err="1" smtClean="0"/>
+              <a:t>빈말풍선을</a:t>
+            </a:r>
+            <a:r>
+              <a:rPr lang="ko-KR" altLang="en-US" dirty="0" smtClean="0"/>
+              <a:t> 이용하여 </a:t>
+            </a:r>
+            <a:r>
+              <a:rPr lang="ko-KR" altLang="en-US" dirty="0" err="1" smtClean="0"/>
+              <a:t>커졋다</a:t>
+            </a:r>
+            <a:r>
+              <a:rPr lang="ko-KR" altLang="en-US" dirty="0" smtClean="0"/>
+              <a:t> </a:t>
+            </a:r>
+            <a:r>
+              <a:rPr lang="ko-KR" altLang="en-US" dirty="0" err="1" smtClean="0"/>
+              <a:t>작아지는것</a:t>
+            </a:r>
+            <a:r>
+              <a:rPr lang="ko-KR" altLang="en-US" dirty="0" smtClean="0"/>
+              <a:t> 표현</a:t>
+            </a:r>
+            <a:endParaRPr lang="en-US" altLang="ko-KR" dirty="0" smtClean="0"/>
+          </a:p>
+          <a:p>
+            <a:pPr>
+              <a:lnSpc>
+                <a:spcPct val="150000"/>
+              </a:lnSpc>
+            </a:pPr>
+            <a:r>
+              <a:rPr lang="ko-KR" altLang="en-US" dirty="0" smtClean="0"/>
+              <a:t>사람손으로만 </a:t>
+            </a:r>
+            <a:r>
+              <a:rPr lang="ko-KR" altLang="en-US" dirty="0" err="1" smtClean="0"/>
+              <a:t>쓰다듬을경우</a:t>
+            </a:r>
+            <a:r>
+              <a:rPr lang="ko-KR" altLang="en-US" dirty="0" smtClean="0"/>
+              <a:t> 하트</a:t>
+            </a:r>
+            <a:endParaRPr lang="en-US" altLang="ko-KR" dirty="0" smtClean="0"/>
+          </a:p>
+          <a:p>
+            <a:pPr>
+              <a:lnSpc>
+                <a:spcPct val="150000"/>
+              </a:lnSpc>
+            </a:pPr>
+            <a:r>
+              <a:rPr lang="ko-KR" altLang="en-US" dirty="0" err="1" smtClean="0"/>
+              <a:t>쓰다듬기계</a:t>
+            </a:r>
+            <a:r>
+              <a:rPr lang="ko-KR" altLang="en-US" dirty="0" smtClean="0"/>
+              <a:t> </a:t>
+            </a:r>
+            <a:r>
+              <a:rPr lang="ko-KR" altLang="en-US" dirty="0" err="1" smtClean="0"/>
+              <a:t>사용후</a:t>
+            </a:r>
+            <a:r>
+              <a:rPr lang="ko-KR" altLang="en-US" dirty="0" smtClean="0"/>
+              <a:t> 쓰다듬기 </a:t>
+            </a:r>
+            <a:r>
+              <a:rPr lang="ko-KR" altLang="en-US" dirty="0" err="1" smtClean="0"/>
+              <a:t>웃는얼굴</a:t>
+            </a:r>
+            <a:endParaRPr lang="en-US" altLang="ko-KR" dirty="0" smtClean="0"/>
+          </a:p>
+          <a:p>
+            <a:pPr>
+              <a:lnSpc>
+                <a:spcPct val="150000"/>
+              </a:lnSpc>
+            </a:pPr>
+            <a:r>
+              <a:rPr lang="ko-KR" altLang="en-US" dirty="0" err="1" smtClean="0"/>
+              <a:t>밥을안주고</a:t>
+            </a:r>
+            <a:r>
+              <a:rPr lang="ko-KR" altLang="en-US" dirty="0" smtClean="0"/>
+              <a:t> 쓰다듬기 </a:t>
+            </a:r>
+            <a:endParaRPr lang="en-US" altLang="ko-KR" dirty="0" smtClean="0"/>
+          </a:p>
+          <a:p>
+            <a:pPr>
+              <a:lnSpc>
+                <a:spcPct val="150000"/>
+              </a:lnSpc>
+            </a:pPr>
+            <a:endParaRPr lang="en-US" altLang="ko-KR" dirty="0"/>
+          </a:p>
+          <a:p>
+            <a:pPr>
+              <a:lnSpc>
+                <a:spcPct val="150000"/>
+              </a:lnSpc>
+            </a:pPr>
+            <a:r>
+              <a:rPr lang="ko-KR" altLang="en-US" dirty="0" smtClean="0"/>
+              <a:t>사일로매니저 </a:t>
+            </a:r>
+            <a:r>
+              <a:rPr lang="ko-KR" altLang="en-US" dirty="0" err="1" smtClean="0"/>
+              <a:t>ㅡ</a:t>
+            </a:r>
+            <a:r>
+              <a:rPr lang="en-US" altLang="ko-KR" dirty="0" smtClean="0"/>
+              <a:t>&gt; </a:t>
+            </a:r>
+            <a:r>
+              <a:rPr lang="ko-KR" altLang="en-US" dirty="0" smtClean="0"/>
+              <a:t>목축매니저로 변경 </a:t>
+            </a:r>
+            <a:r>
+              <a:rPr lang="en-US" altLang="ko-KR" dirty="0" smtClean="0"/>
+              <a:t>&amp; </a:t>
+            </a:r>
+            <a:r>
+              <a:rPr lang="ko-KR" altLang="en-US" dirty="0" smtClean="0"/>
+              <a:t>통합</a:t>
+            </a:r>
+            <a:endParaRPr lang="en-US" altLang="ko-KR" dirty="0" smtClean="0"/>
+          </a:p>
+          <a:p>
+            <a:pPr>
+              <a:lnSpc>
+                <a:spcPct val="150000"/>
+              </a:lnSpc>
+            </a:pPr>
+            <a:r>
+              <a:rPr lang="ko-KR" altLang="en-US" dirty="0" err="1" smtClean="0"/>
+              <a:t>문열고닫을때</a:t>
+            </a:r>
+            <a:r>
+              <a:rPr lang="ko-KR" altLang="en-US" dirty="0" smtClean="0"/>
+              <a:t> 이상함 </a:t>
+            </a:r>
+            <a:r>
+              <a:rPr lang="ko-KR" altLang="en-US" err="1" smtClean="0"/>
+              <a:t>애니멀매니저</a:t>
+            </a:r>
+            <a:r>
+              <a:rPr lang="ko-KR" altLang="en-US" smtClean="0"/>
+              <a:t> 손좀봐야할듯</a:t>
+            </a:r>
+            <a:endParaRPr lang="en-US" altLang="ko-KR" dirty="0" smtClean="0"/>
+          </a:p>
+          <a:p>
+            <a:pPr>
+              <a:lnSpc>
+                <a:spcPct val="150000"/>
+              </a:lnSpc>
+            </a:pPr>
+            <a:endParaRPr lang="en-US" altLang="ko-KR" dirty="0"/>
+          </a:p>
+        </p:txBody>
+      </p:sp>
+      <p:pic>
+        <p:nvPicPr>
+          <p:cNvPr id="2" name="그림 1"/>
+          <p:cNvPicPr>
+            <a:picLocks noChangeAspect="1"/>
+          </p:cNvPicPr>
+          <p:nvPr/>
+        </p:nvPicPr>
+        <p:blipFill>
+          <a:blip r:embed="rId2"/>
+          <a:stretch>
+            <a:fillRect/>
+          </a:stretch>
+        </p:blipFill>
+        <p:spPr>
+          <a:xfrm>
+            <a:off x="4743933" y="4510838"/>
+            <a:ext cx="1648055" cy="466790"/>
+          </a:xfrm>
+          <a:prstGeom prst="rect">
+            <a:avLst/>
+          </a:prstGeom>
+        </p:spPr>
+      </p:pic>
+      <p:pic>
+        <p:nvPicPr>
+          <p:cNvPr id="3" name="그림 2"/>
+          <p:cNvPicPr>
+            <a:picLocks noChangeAspect="1"/>
+          </p:cNvPicPr>
+          <p:nvPr/>
+        </p:nvPicPr>
+        <p:blipFill>
+          <a:blip r:embed="rId3"/>
+          <a:stretch>
+            <a:fillRect/>
+          </a:stretch>
+        </p:blipFill>
+        <p:spPr>
+          <a:xfrm>
+            <a:off x="4743933" y="5067234"/>
+            <a:ext cx="1819529" cy="400106"/>
+          </a:xfrm>
+          <a:prstGeom prst="rect">
+            <a:avLst/>
+          </a:prstGeom>
+        </p:spPr>
+      </p:pic>
+      <p:pic>
+        <p:nvPicPr>
+          <p:cNvPr id="4" name="그림 3"/>
+          <p:cNvPicPr>
+            <a:picLocks noChangeAspect="1"/>
+          </p:cNvPicPr>
+          <p:nvPr/>
+        </p:nvPicPr>
+        <p:blipFill>
+          <a:blip r:embed="rId4"/>
+          <a:stretch>
+            <a:fillRect/>
+          </a:stretch>
+        </p:blipFill>
+        <p:spPr>
+          <a:xfrm>
+            <a:off x="8526793" y="4053574"/>
+            <a:ext cx="1724266" cy="457264"/>
+          </a:xfrm>
+          <a:prstGeom prst="rect">
+            <a:avLst/>
+          </a:prstGeom>
+        </p:spPr>
+      </p:pic>
     </p:spTree>
     <p:extLst>
       <p:ext uri="{BB962C8B-B14F-4D97-AF65-F5344CB8AC3E}">

--- a/GDD/컨셉/목축시스템.pptx
+++ b/GDD/컨셉/목축시스템.pptx
@@ -17,6 +17,7 @@
     <p:sldId id="265" r:id="rId11"/>
     <p:sldId id="266" r:id="rId12"/>
     <p:sldId id="267" r:id="rId13"/>
+    <p:sldId id="268" r:id="rId14"/>
   </p:sldIdLst>
   <p:sldSz cx="12192000" cy="6858000"/>
   <p:notesSz cx="6858000" cy="9144000"/>
@@ -254,7 +255,7 @@
           <a:p>
             <a:fld id="{49275C52-1A75-4C5C-BFD7-66FA4DE417E4}" type="datetimeFigureOut">
               <a:rPr lang="ko-KR" altLang="en-US" smtClean="0"/>
-              <a:t>2022-09-14</a:t>
+              <a:t>2022-09-22</a:t>
             </a:fld>
             <a:endParaRPr lang="ko-KR" altLang="en-US"/>
           </a:p>
@@ -424,7 +425,7 @@
           <a:p>
             <a:fld id="{49275C52-1A75-4C5C-BFD7-66FA4DE417E4}" type="datetimeFigureOut">
               <a:rPr lang="ko-KR" altLang="en-US" smtClean="0"/>
-              <a:t>2022-09-14</a:t>
+              <a:t>2022-09-22</a:t>
             </a:fld>
             <a:endParaRPr lang="ko-KR" altLang="en-US"/>
           </a:p>
@@ -604,7 +605,7 @@
           <a:p>
             <a:fld id="{49275C52-1A75-4C5C-BFD7-66FA4DE417E4}" type="datetimeFigureOut">
               <a:rPr lang="ko-KR" altLang="en-US" smtClean="0"/>
-              <a:t>2022-09-14</a:t>
+              <a:t>2022-09-22</a:t>
             </a:fld>
             <a:endParaRPr lang="ko-KR" altLang="en-US"/>
           </a:p>
@@ -774,7 +775,7 @@
           <a:p>
             <a:fld id="{49275C52-1A75-4C5C-BFD7-66FA4DE417E4}" type="datetimeFigureOut">
               <a:rPr lang="ko-KR" altLang="en-US" smtClean="0"/>
-              <a:t>2022-09-14</a:t>
+              <a:t>2022-09-22</a:t>
             </a:fld>
             <a:endParaRPr lang="ko-KR" altLang="en-US"/>
           </a:p>
@@ -1020,7 +1021,7 @@
           <a:p>
             <a:fld id="{49275C52-1A75-4C5C-BFD7-66FA4DE417E4}" type="datetimeFigureOut">
               <a:rPr lang="ko-KR" altLang="en-US" smtClean="0"/>
-              <a:t>2022-09-14</a:t>
+              <a:t>2022-09-22</a:t>
             </a:fld>
             <a:endParaRPr lang="ko-KR" altLang="en-US"/>
           </a:p>
@@ -1252,7 +1253,7 @@
           <a:p>
             <a:fld id="{49275C52-1A75-4C5C-BFD7-66FA4DE417E4}" type="datetimeFigureOut">
               <a:rPr lang="ko-KR" altLang="en-US" smtClean="0"/>
-              <a:t>2022-09-14</a:t>
+              <a:t>2022-09-22</a:t>
             </a:fld>
             <a:endParaRPr lang="ko-KR" altLang="en-US"/>
           </a:p>
@@ -1619,7 +1620,7 @@
           <a:p>
             <a:fld id="{49275C52-1A75-4C5C-BFD7-66FA4DE417E4}" type="datetimeFigureOut">
               <a:rPr lang="ko-KR" altLang="en-US" smtClean="0"/>
-              <a:t>2022-09-14</a:t>
+              <a:t>2022-09-22</a:t>
             </a:fld>
             <a:endParaRPr lang="ko-KR" altLang="en-US"/>
           </a:p>
@@ -1737,7 +1738,7 @@
           <a:p>
             <a:fld id="{49275C52-1A75-4C5C-BFD7-66FA4DE417E4}" type="datetimeFigureOut">
               <a:rPr lang="ko-KR" altLang="en-US" smtClean="0"/>
-              <a:t>2022-09-14</a:t>
+              <a:t>2022-09-22</a:t>
             </a:fld>
             <a:endParaRPr lang="ko-KR" altLang="en-US"/>
           </a:p>
@@ -1832,7 +1833,7 @@
           <a:p>
             <a:fld id="{49275C52-1A75-4C5C-BFD7-66FA4DE417E4}" type="datetimeFigureOut">
               <a:rPr lang="ko-KR" altLang="en-US" smtClean="0"/>
-              <a:t>2022-09-14</a:t>
+              <a:t>2022-09-22</a:t>
             </a:fld>
             <a:endParaRPr lang="ko-KR" altLang="en-US"/>
           </a:p>
@@ -2109,7 +2110,7 @@
           <a:p>
             <a:fld id="{49275C52-1A75-4C5C-BFD7-66FA4DE417E4}" type="datetimeFigureOut">
               <a:rPr lang="ko-KR" altLang="en-US" smtClean="0"/>
-              <a:t>2022-09-14</a:t>
+              <a:t>2022-09-22</a:t>
             </a:fld>
             <a:endParaRPr lang="ko-KR" altLang="en-US"/>
           </a:p>
@@ -2362,7 +2363,7 @@
           <a:p>
             <a:fld id="{49275C52-1A75-4C5C-BFD7-66FA4DE417E4}" type="datetimeFigureOut">
               <a:rPr lang="ko-KR" altLang="en-US" smtClean="0"/>
-              <a:t>2022-09-14</a:t>
+              <a:t>2022-09-22</a:t>
             </a:fld>
             <a:endParaRPr lang="ko-KR" altLang="en-US"/>
           </a:p>
@@ -2575,7 +2576,7 @@
           <a:p>
             <a:fld id="{49275C52-1A75-4C5C-BFD7-66FA4DE417E4}" type="datetimeFigureOut">
               <a:rPr lang="ko-KR" altLang="en-US" smtClean="0"/>
-              <a:t>2022-09-14</a:t>
+              <a:t>2022-09-22</a:t>
             </a:fld>
             <a:endParaRPr lang="ko-KR" altLang="en-US"/>
           </a:p>
@@ -3119,6 +3120,13 @@
   <p:clrMapOvr>
     <a:masterClrMapping/>
   </p:clrMapOvr>
+  <p:timing>
+    <p:tnLst>
+      <p:par>
+        <p:cTn id="1" dur="indefinite" restart="never" nodeType="tmRoot"/>
+      </p:par>
+    </p:tnLst>
+  </p:timing>
 </p:sld>
 </file>
 
@@ -3435,6 +3443,13 @@
   <p:clrMapOvr>
     <a:masterClrMapping/>
   </p:clrMapOvr>
+  <p:timing>
+    <p:tnLst>
+      <p:par>
+        <p:cTn id="1" dur="indefinite" restart="never" nodeType="tmRoot"/>
+      </p:par>
+    </p:tnLst>
+  </p:timing>
 </p:sld>
 </file>
 
@@ -3837,12 +3852,16 @@
               <a:t> 이상함 </a:t>
             </a:r>
             <a:r>
-              <a:rPr lang="ko-KR" altLang="en-US" err="1" smtClean="0"/>
+              <a:rPr lang="ko-KR" altLang="en-US" dirty="0" err="1" smtClean="0"/>
               <a:t>애니멀매니저</a:t>
             </a:r>
             <a:r>
-              <a:rPr lang="ko-KR" altLang="en-US" smtClean="0"/>
-              <a:t> 손좀봐야할듯</a:t>
+              <a:rPr lang="ko-KR" altLang="en-US" dirty="0" smtClean="0"/>
+              <a:t> </a:t>
+            </a:r>
+            <a:r>
+              <a:rPr lang="ko-KR" altLang="en-US" dirty="0" err="1" smtClean="0"/>
+              <a:t>손좀봐야할듯</a:t>
             </a:r>
             <a:endParaRPr lang="en-US" altLang="ko-KR" dirty="0" smtClean="0"/>
           </a:p>
@@ -3938,6 +3957,79 @@
   <p:clrMapOvr>
     <a:masterClrMapping/>
   </p:clrMapOvr>
+  <p:timing>
+    <p:tnLst>
+      <p:par>
+        <p:cTn id="1" dur="indefinite" restart="never" nodeType="tmRoot"/>
+      </p:par>
+    </p:tnLst>
+  </p:timing>
+</p:sld>
+</file>
+
+<file path=ppt/slides/slide13.xml><?xml version="1.0" encoding="utf-8"?>
+<p:sld xmlns:a="http://schemas.openxmlformats.org/drawingml/2006/main" xmlns:r="http://schemas.openxmlformats.org/officeDocument/2006/relationships" xmlns:p="http://schemas.openxmlformats.org/presentationml/2006/main">
+  <p:cSld>
+    <p:spTree>
+      <p:nvGrpSpPr>
+        <p:cNvPr id="1" name=""/>
+        <p:cNvGrpSpPr/>
+        <p:nvPr/>
+      </p:nvGrpSpPr>
+      <p:grpSpPr>
+        <a:xfrm>
+          <a:off x="0" y="0"/>
+          <a:ext cx="0" cy="0"/>
+          <a:chOff x="0" y="0"/>
+          <a:chExt cx="0" cy="0"/>
+        </a:xfrm>
+      </p:grpSpPr>
+      <p:pic>
+        <p:nvPicPr>
+          <p:cNvPr id="4" name="그림 3">
+            <a:extLst>
+              <a:ext uri="{FF2B5EF4-FFF2-40B4-BE49-F238E27FC236}">
+                <a16:creationId xmlns:a16="http://schemas.microsoft.com/office/drawing/2014/main" id="{05960FAF-85C0-DC0E-3329-93F03780CDC8}"/>
+              </a:ext>
+            </a:extLst>
+          </p:cNvPr>
+          <p:cNvPicPr>
+            <a:picLocks noChangeAspect="1"/>
+          </p:cNvPicPr>
+          <p:nvPr/>
+        </p:nvPicPr>
+        <p:blipFill rotWithShape="1">
+          <a:blip r:embed="rId2"/>
+          <a:srcRect t="32377" r="72609" b="53477"/>
+          <a:stretch/>
+        </p:blipFill>
+        <p:spPr>
+          <a:xfrm>
+            <a:off x="722973" y="1352783"/>
+            <a:ext cx="3956948" cy="1121136"/>
+          </a:xfrm>
+          <a:prstGeom prst="rect">
+            <a:avLst/>
+          </a:prstGeom>
+        </p:spPr>
+      </p:pic>
+    </p:spTree>
+    <p:extLst>
+      <p:ext uri="{BB962C8B-B14F-4D97-AF65-F5344CB8AC3E}">
+        <p14:creationId xmlns:p14="http://schemas.microsoft.com/office/powerpoint/2010/main" val="1255386422"/>
+      </p:ext>
+    </p:extLst>
+  </p:cSld>
+  <p:clrMapOvr>
+    <a:masterClrMapping/>
+  </p:clrMapOvr>
+  <p:timing>
+    <p:tnLst>
+      <p:par>
+        <p:cTn id="1" dur="indefinite" restart="never" nodeType="tmRoot"/>
+      </p:par>
+    </p:tnLst>
+  </p:timing>
 </p:sld>
 </file>
 
@@ -5179,6 +5271,13 @@
   <p:clrMapOvr>
     <a:masterClrMapping/>
   </p:clrMapOvr>
+  <p:timing>
+    <p:tnLst>
+      <p:par>
+        <p:cTn id="1" dur="indefinite" restart="never" nodeType="tmRoot"/>
+      </p:par>
+    </p:tnLst>
+  </p:timing>
 </p:sld>
 </file>
 
@@ -5261,7 +5360,7 @@
         </p:nvSpPr>
         <p:spPr>
           <a:xfrm>
-            <a:off x="475374" y="1835155"/>
+            <a:off x="475374" y="2962498"/>
             <a:ext cx="10537797" cy="3416320"/>
           </a:xfrm>
           <a:prstGeom prst="rect">
@@ -5363,6 +5462,262 @@
           </a:p>
         </p:txBody>
       </p:sp>
+      <p:sp>
+        <p:nvSpPr>
+          <p:cNvPr id="3" name="타원 2"/>
+          <p:cNvSpPr/>
+          <p:nvPr/>
+        </p:nvSpPr>
+        <p:spPr>
+          <a:xfrm>
+            <a:off x="1988585" y="1867092"/>
+            <a:ext cx="914400" cy="394478"/>
+          </a:xfrm>
+          <a:prstGeom prst="ellipse">
+            <a:avLst/>
+          </a:prstGeom>
+          <a:solidFill>
+            <a:schemeClr val="bg1"/>
+          </a:solidFill>
+        </p:spPr>
+        <p:style>
+          <a:lnRef idx="2">
+            <a:schemeClr val="accent1">
+              <a:shade val="50000"/>
+            </a:schemeClr>
+          </a:lnRef>
+          <a:fillRef idx="1">
+            <a:schemeClr val="accent1"/>
+          </a:fillRef>
+          <a:effectRef idx="0">
+            <a:schemeClr val="accent1"/>
+          </a:effectRef>
+          <a:fontRef idx="minor">
+            <a:schemeClr val="lt1"/>
+          </a:fontRef>
+        </p:style>
+        <p:txBody>
+          <a:bodyPr rtlCol="0" anchor="ctr"/>
+          <a:lstStyle/>
+          <a:p>
+            <a:pPr algn="ctr"/>
+            <a:r>
+              <a:rPr lang="ko-KR" altLang="en-US" dirty="0" smtClean="0">
+                <a:solidFill>
+                  <a:schemeClr val="tx1"/>
+                </a:solidFill>
+              </a:rPr>
+              <a:t>토끼</a:t>
+            </a:r>
+            <a:endParaRPr lang="ko-KR" altLang="en-US" dirty="0">
+              <a:solidFill>
+                <a:schemeClr val="tx1"/>
+              </a:solidFill>
+            </a:endParaRPr>
+          </a:p>
+        </p:txBody>
+      </p:sp>
+      <p:sp>
+        <p:nvSpPr>
+          <p:cNvPr id="6" name="타원 5"/>
+          <p:cNvSpPr/>
+          <p:nvPr/>
+        </p:nvSpPr>
+        <p:spPr>
+          <a:xfrm>
+            <a:off x="3218224" y="1867092"/>
+            <a:ext cx="914400" cy="394478"/>
+          </a:xfrm>
+          <a:prstGeom prst="ellipse">
+            <a:avLst/>
+          </a:prstGeom>
+          <a:solidFill>
+            <a:schemeClr val="bg1"/>
+          </a:solidFill>
+        </p:spPr>
+        <p:style>
+          <a:lnRef idx="2">
+            <a:schemeClr val="accent1">
+              <a:shade val="50000"/>
+            </a:schemeClr>
+          </a:lnRef>
+          <a:fillRef idx="1">
+            <a:schemeClr val="accent1"/>
+          </a:fillRef>
+          <a:effectRef idx="0">
+            <a:schemeClr val="accent1"/>
+          </a:effectRef>
+          <a:fontRef idx="minor">
+            <a:schemeClr val="lt1"/>
+          </a:fontRef>
+        </p:style>
+        <p:txBody>
+          <a:bodyPr rtlCol="0" anchor="ctr"/>
+          <a:lstStyle/>
+          <a:p>
+            <a:pPr algn="ctr"/>
+            <a:r>
+              <a:rPr lang="ko-KR" altLang="en-US" dirty="0">
+                <a:solidFill>
+                  <a:schemeClr val="tx1"/>
+                </a:solidFill>
+              </a:rPr>
+              <a:t>닭</a:t>
+            </a:r>
+          </a:p>
+        </p:txBody>
+      </p:sp>
+      <p:sp>
+        <p:nvSpPr>
+          <p:cNvPr id="7" name="타원 6"/>
+          <p:cNvSpPr/>
+          <p:nvPr/>
+        </p:nvSpPr>
+        <p:spPr>
+          <a:xfrm>
+            <a:off x="4757751" y="1867092"/>
+            <a:ext cx="914400" cy="394478"/>
+          </a:xfrm>
+          <a:prstGeom prst="ellipse">
+            <a:avLst/>
+          </a:prstGeom>
+          <a:solidFill>
+            <a:schemeClr val="bg1"/>
+          </a:solidFill>
+        </p:spPr>
+        <p:style>
+          <a:lnRef idx="2">
+            <a:schemeClr val="accent1">
+              <a:shade val="50000"/>
+            </a:schemeClr>
+          </a:lnRef>
+          <a:fillRef idx="1">
+            <a:schemeClr val="accent1"/>
+          </a:fillRef>
+          <a:effectRef idx="0">
+            <a:schemeClr val="accent1"/>
+          </a:effectRef>
+          <a:fontRef idx="minor">
+            <a:schemeClr val="lt1"/>
+          </a:fontRef>
+        </p:style>
+        <p:txBody>
+          <a:bodyPr rtlCol="0" anchor="ctr"/>
+          <a:lstStyle/>
+          <a:p>
+            <a:pPr algn="ctr"/>
+            <a:r>
+              <a:rPr lang="ko-KR" altLang="en-US" dirty="0" smtClean="0">
+                <a:solidFill>
+                  <a:schemeClr val="tx1"/>
+                </a:solidFill>
+              </a:rPr>
+              <a:t>소</a:t>
+            </a:r>
+            <a:endParaRPr lang="ko-KR" altLang="en-US" dirty="0">
+              <a:solidFill>
+                <a:schemeClr val="tx1"/>
+              </a:solidFill>
+            </a:endParaRPr>
+          </a:p>
+        </p:txBody>
+      </p:sp>
+      <p:cxnSp>
+        <p:nvCxnSpPr>
+          <p:cNvPr id="8" name="직선 연결선 7"/>
+          <p:cNvCxnSpPr>
+            <a:endCxn id="3" idx="0"/>
+          </p:cNvCxnSpPr>
+          <p:nvPr/>
+        </p:nvCxnSpPr>
+        <p:spPr>
+          <a:xfrm flipH="1">
+            <a:off x="2445785" y="1327759"/>
+            <a:ext cx="673196" cy="539333"/>
+          </a:xfrm>
+          <a:prstGeom prst="line">
+            <a:avLst/>
+          </a:prstGeom>
+        </p:spPr>
+        <p:style>
+          <a:lnRef idx="1">
+            <a:schemeClr val="accent1"/>
+          </a:lnRef>
+          <a:fillRef idx="0">
+            <a:schemeClr val="accent1"/>
+          </a:fillRef>
+          <a:effectRef idx="0">
+            <a:schemeClr val="accent1"/>
+          </a:effectRef>
+          <a:fontRef idx="minor">
+            <a:schemeClr val="tx1"/>
+          </a:fontRef>
+        </p:style>
+      </p:cxnSp>
+      <p:cxnSp>
+        <p:nvCxnSpPr>
+          <p:cNvPr id="10" name="직선 연결선 9"/>
+          <p:cNvCxnSpPr>
+            <a:endCxn id="6" idx="0"/>
+          </p:cNvCxnSpPr>
+          <p:nvPr/>
+        </p:nvCxnSpPr>
+        <p:spPr>
+          <a:xfrm>
+            <a:off x="3218224" y="1352811"/>
+            <a:ext cx="457200" cy="514281"/>
+          </a:xfrm>
+          <a:prstGeom prst="line">
+            <a:avLst/>
+          </a:prstGeom>
+        </p:spPr>
+        <p:style>
+          <a:lnRef idx="1">
+            <a:schemeClr val="accent1"/>
+          </a:lnRef>
+          <a:fillRef idx="0">
+            <a:schemeClr val="accent1"/>
+          </a:fillRef>
+          <a:effectRef idx="0">
+            <a:schemeClr val="accent1"/>
+          </a:effectRef>
+          <a:fontRef idx="minor">
+            <a:schemeClr val="tx1"/>
+          </a:fontRef>
+        </p:style>
+      </p:cxnSp>
+      <p:cxnSp>
+        <p:nvCxnSpPr>
+          <p:cNvPr id="12" name="직선 연결선 11"/>
+          <p:cNvCxnSpPr>
+            <a:endCxn id="7" idx="0"/>
+          </p:cNvCxnSpPr>
+          <p:nvPr/>
+        </p:nvCxnSpPr>
+        <p:spPr>
+          <a:xfrm>
+            <a:off x="4757751" y="1327759"/>
+            <a:ext cx="457200" cy="539333"/>
+          </a:xfrm>
+          <a:prstGeom prst="line">
+            <a:avLst/>
+          </a:prstGeom>
+        </p:spPr>
+        <p:style>
+          <a:lnRef idx="1">
+            <a:schemeClr val="accent1"/>
+          </a:lnRef>
+          <a:fillRef idx="0">
+            <a:schemeClr val="accent1"/>
+          </a:fillRef>
+          <a:effectRef idx="0">
+            <a:schemeClr val="accent1"/>
+          </a:effectRef>
+          <a:fontRef idx="minor">
+            <a:schemeClr val="tx1"/>
+          </a:fontRef>
+        </p:style>
+      </p:cxnSp>
     </p:spTree>
     <p:extLst>
       <p:ext uri="{BB962C8B-B14F-4D97-AF65-F5344CB8AC3E}">
@@ -5373,6 +5728,13 @@
   <p:clrMapOvr>
     <a:masterClrMapping/>
   </p:clrMapOvr>
+  <p:timing>
+    <p:tnLst>
+      <p:par>
+        <p:cTn id="1" dur="indefinite" restart="never" nodeType="tmRoot"/>
+      </p:par>
+    </p:tnLst>
+  </p:timing>
 </p:sld>
 </file>
 
@@ -5702,6 +6064,13 @@
   <p:clrMapOvr>
     <a:masterClrMapping/>
   </p:clrMapOvr>
+  <p:timing>
+    <p:tnLst>
+      <p:par>
+        <p:cTn id="1" dur="indefinite" restart="never" nodeType="tmRoot"/>
+      </p:par>
+    </p:tnLst>
+  </p:timing>
 </p:sld>
 </file>
 
@@ -5936,6 +6305,13 @@
   <p:clrMapOvr>
     <a:masterClrMapping/>
   </p:clrMapOvr>
+  <p:timing>
+    <p:tnLst>
+      <p:par>
+        <p:cTn id="1" dur="indefinite" restart="never" nodeType="tmRoot"/>
+      </p:par>
+    </p:tnLst>
+  </p:timing>
 </p:sld>
 </file>
 
@@ -6248,6 +6624,13 @@
   <p:clrMapOvr>
     <a:masterClrMapping/>
   </p:clrMapOvr>
+  <p:timing>
+    <p:tnLst>
+      <p:par>
+        <p:cTn id="1" dur="indefinite" restart="never" nodeType="tmRoot"/>
+      </p:par>
+    </p:tnLst>
+  </p:timing>
 </p:sld>
 </file>
 

--- a/GDD/컨셉/목축시스템.pptx
+++ b/GDD/컨셉/목축시스템.pptx
@@ -18,6 +18,14 @@
     <p:sldId id="266" r:id="rId12"/>
     <p:sldId id="267" r:id="rId13"/>
     <p:sldId id="268" r:id="rId14"/>
+    <p:sldId id="269" r:id="rId15"/>
+    <p:sldId id="270" r:id="rId16"/>
+    <p:sldId id="271" r:id="rId17"/>
+    <p:sldId id="272" r:id="rId18"/>
+    <p:sldId id="273" r:id="rId19"/>
+    <p:sldId id="274" r:id="rId20"/>
+    <p:sldId id="275" r:id="rId21"/>
+    <p:sldId id="276" r:id="rId22"/>
   </p:sldIdLst>
   <p:sldSz cx="12192000" cy="6858000"/>
   <p:notesSz cx="6858000" cy="9144000"/>
@@ -255,7 +263,7 @@
           <a:p>
             <a:fld id="{49275C52-1A75-4C5C-BFD7-66FA4DE417E4}" type="datetimeFigureOut">
               <a:rPr lang="ko-KR" altLang="en-US" smtClean="0"/>
-              <a:t>2022-09-22</a:t>
+              <a:t>2022-09-23</a:t>
             </a:fld>
             <a:endParaRPr lang="ko-KR" altLang="en-US"/>
           </a:p>
@@ -425,7 +433,7 @@
           <a:p>
             <a:fld id="{49275C52-1A75-4C5C-BFD7-66FA4DE417E4}" type="datetimeFigureOut">
               <a:rPr lang="ko-KR" altLang="en-US" smtClean="0"/>
-              <a:t>2022-09-22</a:t>
+              <a:t>2022-09-23</a:t>
             </a:fld>
             <a:endParaRPr lang="ko-KR" altLang="en-US"/>
           </a:p>
@@ -605,7 +613,7 @@
           <a:p>
             <a:fld id="{49275C52-1A75-4C5C-BFD7-66FA4DE417E4}" type="datetimeFigureOut">
               <a:rPr lang="ko-KR" altLang="en-US" smtClean="0"/>
-              <a:t>2022-09-22</a:t>
+              <a:t>2022-09-23</a:t>
             </a:fld>
             <a:endParaRPr lang="ko-KR" altLang="en-US"/>
           </a:p>
@@ -775,7 +783,7 @@
           <a:p>
             <a:fld id="{49275C52-1A75-4C5C-BFD7-66FA4DE417E4}" type="datetimeFigureOut">
               <a:rPr lang="ko-KR" altLang="en-US" smtClean="0"/>
-              <a:t>2022-09-22</a:t>
+              <a:t>2022-09-23</a:t>
             </a:fld>
             <a:endParaRPr lang="ko-KR" altLang="en-US"/>
           </a:p>
@@ -1021,7 +1029,7 @@
           <a:p>
             <a:fld id="{49275C52-1A75-4C5C-BFD7-66FA4DE417E4}" type="datetimeFigureOut">
               <a:rPr lang="ko-KR" altLang="en-US" smtClean="0"/>
-              <a:t>2022-09-22</a:t>
+              <a:t>2022-09-23</a:t>
             </a:fld>
             <a:endParaRPr lang="ko-KR" altLang="en-US"/>
           </a:p>
@@ -1253,7 +1261,7 @@
           <a:p>
             <a:fld id="{49275C52-1A75-4C5C-BFD7-66FA4DE417E4}" type="datetimeFigureOut">
               <a:rPr lang="ko-KR" altLang="en-US" smtClean="0"/>
-              <a:t>2022-09-22</a:t>
+              <a:t>2022-09-23</a:t>
             </a:fld>
             <a:endParaRPr lang="ko-KR" altLang="en-US"/>
           </a:p>
@@ -1620,7 +1628,7 @@
           <a:p>
             <a:fld id="{49275C52-1A75-4C5C-BFD7-66FA4DE417E4}" type="datetimeFigureOut">
               <a:rPr lang="ko-KR" altLang="en-US" smtClean="0"/>
-              <a:t>2022-09-22</a:t>
+              <a:t>2022-09-23</a:t>
             </a:fld>
             <a:endParaRPr lang="ko-KR" altLang="en-US"/>
           </a:p>
@@ -1738,7 +1746,7 @@
           <a:p>
             <a:fld id="{49275C52-1A75-4C5C-BFD7-66FA4DE417E4}" type="datetimeFigureOut">
               <a:rPr lang="ko-KR" altLang="en-US" smtClean="0"/>
-              <a:t>2022-09-22</a:t>
+              <a:t>2022-09-23</a:t>
             </a:fld>
             <a:endParaRPr lang="ko-KR" altLang="en-US"/>
           </a:p>
@@ -1833,7 +1841,7 @@
           <a:p>
             <a:fld id="{49275C52-1A75-4C5C-BFD7-66FA4DE417E4}" type="datetimeFigureOut">
               <a:rPr lang="ko-KR" altLang="en-US" smtClean="0"/>
-              <a:t>2022-09-22</a:t>
+              <a:t>2022-09-23</a:t>
             </a:fld>
             <a:endParaRPr lang="ko-KR" altLang="en-US"/>
           </a:p>
@@ -2110,7 +2118,7 @@
           <a:p>
             <a:fld id="{49275C52-1A75-4C5C-BFD7-66FA4DE417E4}" type="datetimeFigureOut">
               <a:rPr lang="ko-KR" altLang="en-US" smtClean="0"/>
-              <a:t>2022-09-22</a:t>
+              <a:t>2022-09-23</a:t>
             </a:fld>
             <a:endParaRPr lang="ko-KR" altLang="en-US"/>
           </a:p>
@@ -2363,7 +2371,7 @@
           <a:p>
             <a:fld id="{49275C52-1A75-4C5C-BFD7-66FA4DE417E4}" type="datetimeFigureOut">
               <a:rPr lang="ko-KR" altLang="en-US" smtClean="0"/>
-              <a:t>2022-09-22</a:t>
+              <a:t>2022-09-23</a:t>
             </a:fld>
             <a:endParaRPr lang="ko-KR" altLang="en-US"/>
           </a:p>
@@ -2576,7 +2584,7 @@
           <a:p>
             <a:fld id="{49275C52-1A75-4C5C-BFD7-66FA4DE417E4}" type="datetimeFigureOut">
               <a:rPr lang="ko-KR" altLang="en-US" smtClean="0"/>
-              <a:t>2022-09-22</a:t>
+              <a:t>2022-09-23</a:t>
             </a:fld>
             <a:endParaRPr lang="ko-KR" altLang="en-US"/>
           </a:p>
@@ -4033,6 +4041,1014 @@
 </p:sld>
 </file>
 
+<file path=ppt/slides/slide14.xml><?xml version="1.0" encoding="utf-8"?>
+<p:sld xmlns:a="http://schemas.openxmlformats.org/drawingml/2006/main" xmlns:r="http://schemas.openxmlformats.org/officeDocument/2006/relationships" xmlns:p="http://schemas.openxmlformats.org/presentationml/2006/main">
+  <p:cSld>
+    <p:spTree>
+      <p:nvGrpSpPr>
+        <p:cNvPr id="1" name=""/>
+        <p:cNvGrpSpPr/>
+        <p:nvPr/>
+      </p:nvGrpSpPr>
+      <p:grpSpPr>
+        <a:xfrm>
+          <a:off x="0" y="0"/>
+          <a:ext cx="0" cy="0"/>
+          <a:chOff x="0" y="0"/>
+          <a:chExt cx="0" cy="0"/>
+        </a:xfrm>
+      </p:grpSpPr>
+      <p:sp>
+        <p:nvSpPr>
+          <p:cNvPr id="2" name="제목 1"/>
+          <p:cNvSpPr>
+            <a:spLocks noGrp="1"/>
+          </p:cNvSpPr>
+          <p:nvPr>
+            <p:ph type="title"/>
+          </p:nvPr>
+        </p:nvSpPr>
+        <p:spPr>
+          <a:xfrm>
+            <a:off x="414403" y="286558"/>
+            <a:ext cx="2366376" cy="577738"/>
+          </a:xfrm>
+        </p:spPr>
+        <p:txBody>
+          <a:bodyPr>
+            <a:normAutofit fontScale="90000"/>
+          </a:bodyPr>
+          <a:lstStyle/>
+          <a:p>
+            <a:r>
+              <a:rPr lang="ko-KR" altLang="en-US" dirty="0" smtClean="0"/>
+              <a:t>잡화점</a:t>
+            </a:r>
+            <a:endParaRPr lang="ko-KR" altLang="en-US" dirty="0"/>
+          </a:p>
+        </p:txBody>
+      </p:sp>
+      <p:pic>
+        <p:nvPicPr>
+          <p:cNvPr id="4" name="내용 개체 틀 3"/>
+          <p:cNvPicPr>
+            <a:picLocks noGrp="1" noChangeAspect="1"/>
+          </p:cNvPicPr>
+          <p:nvPr>
+            <p:ph idx="1"/>
+          </p:nvPr>
+        </p:nvPicPr>
+        <p:blipFill>
+          <a:blip r:embed="rId2">
+            <a:extLst>
+              <a:ext uri="{28A0092B-C50C-407E-A947-70E740481C1C}">
+                <a14:useLocalDpi xmlns:a14="http://schemas.microsoft.com/office/drawing/2010/main" val="0"/>
+              </a:ext>
+            </a:extLst>
+          </a:blip>
+          <a:stretch>
+            <a:fillRect/>
+          </a:stretch>
+        </p:blipFill>
+        <p:spPr>
+          <a:xfrm>
+            <a:off x="2554267" y="2506662"/>
+            <a:ext cx="9408298" cy="4351338"/>
+          </a:xfrm>
+        </p:spPr>
+      </p:pic>
+      <p:sp>
+        <p:nvSpPr>
+          <p:cNvPr id="5" name="내용 개체 틀 2"/>
+          <p:cNvSpPr txBox="1">
+            <a:spLocks/>
+          </p:cNvSpPr>
+          <p:nvPr/>
+        </p:nvSpPr>
+        <p:spPr>
+          <a:xfrm>
+            <a:off x="287055" y="1002083"/>
+            <a:ext cx="10515600" cy="4351338"/>
+          </a:xfrm>
+          <a:prstGeom prst="rect">
+            <a:avLst/>
+          </a:prstGeom>
+        </p:spPr>
+        <p:txBody>
+          <a:bodyPr vert="horz" lIns="91440" tIns="45720" rIns="91440" bIns="45720" rtlCol="0">
+            <a:normAutofit/>
+          </a:bodyPr>
+          <a:lstStyle>
+            <a:lvl1pPr marL="228600" indent="-228600" algn="l" defTabSz="914400" rtl="0" eaLnBrk="1" latinLnBrk="1" hangingPunct="1">
+              <a:lnSpc>
+                <a:spcPct val="90000"/>
+              </a:lnSpc>
+              <a:spcBef>
+                <a:spcPts val="1000"/>
+              </a:spcBef>
+              <a:buFont typeface="Arial" panose="020B0604020202020204" pitchFamily="34" charset="0"/>
+              <a:buChar char="•"/>
+              <a:defRPr sz="2800" kern="1200">
+                <a:solidFill>
+                  <a:schemeClr val="tx1"/>
+                </a:solidFill>
+                <a:latin typeface="+mn-lt"/>
+                <a:ea typeface="+mn-ea"/>
+                <a:cs typeface="+mn-cs"/>
+              </a:defRPr>
+            </a:lvl1pPr>
+            <a:lvl2pPr marL="685800" indent="-228600" algn="l" defTabSz="914400" rtl="0" eaLnBrk="1" latinLnBrk="1" hangingPunct="1">
+              <a:lnSpc>
+                <a:spcPct val="90000"/>
+              </a:lnSpc>
+              <a:spcBef>
+                <a:spcPts val="500"/>
+              </a:spcBef>
+              <a:buFont typeface="Arial" panose="020B0604020202020204" pitchFamily="34" charset="0"/>
+              <a:buChar char="•"/>
+              <a:defRPr sz="2400" kern="1200">
+                <a:solidFill>
+                  <a:schemeClr val="tx1"/>
+                </a:solidFill>
+                <a:latin typeface="+mn-lt"/>
+                <a:ea typeface="+mn-ea"/>
+                <a:cs typeface="+mn-cs"/>
+              </a:defRPr>
+            </a:lvl2pPr>
+            <a:lvl3pPr marL="1143000" indent="-228600" algn="l" defTabSz="914400" rtl="0" eaLnBrk="1" latinLnBrk="1" hangingPunct="1">
+              <a:lnSpc>
+                <a:spcPct val="90000"/>
+              </a:lnSpc>
+              <a:spcBef>
+                <a:spcPts val="500"/>
+              </a:spcBef>
+              <a:buFont typeface="Arial" panose="020B0604020202020204" pitchFamily="34" charset="0"/>
+              <a:buChar char="•"/>
+              <a:defRPr sz="2000" kern="1200">
+                <a:solidFill>
+                  <a:schemeClr val="tx1"/>
+                </a:solidFill>
+                <a:latin typeface="+mn-lt"/>
+                <a:ea typeface="+mn-ea"/>
+                <a:cs typeface="+mn-cs"/>
+              </a:defRPr>
+            </a:lvl3pPr>
+            <a:lvl4pPr marL="1600200" indent="-228600" algn="l" defTabSz="914400" rtl="0" eaLnBrk="1" latinLnBrk="1" hangingPunct="1">
+              <a:lnSpc>
+                <a:spcPct val="90000"/>
+              </a:lnSpc>
+              <a:spcBef>
+                <a:spcPts val="500"/>
+              </a:spcBef>
+              <a:buFont typeface="Arial" panose="020B0604020202020204" pitchFamily="34" charset="0"/>
+              <a:buChar char="•"/>
+              <a:defRPr sz="1800" kern="1200">
+                <a:solidFill>
+                  <a:schemeClr val="tx1"/>
+                </a:solidFill>
+                <a:latin typeface="+mn-lt"/>
+                <a:ea typeface="+mn-ea"/>
+                <a:cs typeface="+mn-cs"/>
+              </a:defRPr>
+            </a:lvl4pPr>
+            <a:lvl5pPr marL="2057400" indent="-228600" algn="l" defTabSz="914400" rtl="0" eaLnBrk="1" latinLnBrk="1" hangingPunct="1">
+              <a:lnSpc>
+                <a:spcPct val="90000"/>
+              </a:lnSpc>
+              <a:spcBef>
+                <a:spcPts val="500"/>
+              </a:spcBef>
+              <a:buFont typeface="Arial" panose="020B0604020202020204" pitchFamily="34" charset="0"/>
+              <a:buChar char="•"/>
+              <a:defRPr sz="1800" kern="1200">
+                <a:solidFill>
+                  <a:schemeClr val="tx1"/>
+                </a:solidFill>
+                <a:latin typeface="+mn-lt"/>
+                <a:ea typeface="+mn-ea"/>
+                <a:cs typeface="+mn-cs"/>
+              </a:defRPr>
+            </a:lvl5pPr>
+            <a:lvl6pPr marL="2514600" indent="-228600" algn="l" defTabSz="914400" rtl="0" eaLnBrk="1" latinLnBrk="1" hangingPunct="1">
+              <a:lnSpc>
+                <a:spcPct val="90000"/>
+              </a:lnSpc>
+              <a:spcBef>
+                <a:spcPts val="500"/>
+              </a:spcBef>
+              <a:buFont typeface="Arial" panose="020B0604020202020204" pitchFamily="34" charset="0"/>
+              <a:buChar char="•"/>
+              <a:defRPr sz="1800" kern="1200">
+                <a:solidFill>
+                  <a:schemeClr val="tx1"/>
+                </a:solidFill>
+                <a:latin typeface="+mn-lt"/>
+                <a:ea typeface="+mn-ea"/>
+                <a:cs typeface="+mn-cs"/>
+              </a:defRPr>
+            </a:lvl6pPr>
+            <a:lvl7pPr marL="2971800" indent="-228600" algn="l" defTabSz="914400" rtl="0" eaLnBrk="1" latinLnBrk="1" hangingPunct="1">
+              <a:lnSpc>
+                <a:spcPct val="90000"/>
+              </a:lnSpc>
+              <a:spcBef>
+                <a:spcPts val="500"/>
+              </a:spcBef>
+              <a:buFont typeface="Arial" panose="020B0604020202020204" pitchFamily="34" charset="0"/>
+              <a:buChar char="•"/>
+              <a:defRPr sz="1800" kern="1200">
+                <a:solidFill>
+                  <a:schemeClr val="tx1"/>
+                </a:solidFill>
+                <a:latin typeface="+mn-lt"/>
+                <a:ea typeface="+mn-ea"/>
+                <a:cs typeface="+mn-cs"/>
+              </a:defRPr>
+            </a:lvl7pPr>
+            <a:lvl8pPr marL="3429000" indent="-228600" algn="l" defTabSz="914400" rtl="0" eaLnBrk="1" latinLnBrk="1" hangingPunct="1">
+              <a:lnSpc>
+                <a:spcPct val="90000"/>
+              </a:lnSpc>
+              <a:spcBef>
+                <a:spcPts val="500"/>
+              </a:spcBef>
+              <a:buFont typeface="Arial" panose="020B0604020202020204" pitchFamily="34" charset="0"/>
+              <a:buChar char="•"/>
+              <a:defRPr sz="1800" kern="1200">
+                <a:solidFill>
+                  <a:schemeClr val="tx1"/>
+                </a:solidFill>
+                <a:latin typeface="+mn-lt"/>
+                <a:ea typeface="+mn-ea"/>
+                <a:cs typeface="+mn-cs"/>
+              </a:defRPr>
+            </a:lvl8pPr>
+            <a:lvl9pPr marL="3886200" indent="-228600" algn="l" defTabSz="914400" rtl="0" eaLnBrk="1" latinLnBrk="1" hangingPunct="1">
+              <a:lnSpc>
+                <a:spcPct val="90000"/>
+              </a:lnSpc>
+              <a:spcBef>
+                <a:spcPts val="500"/>
+              </a:spcBef>
+              <a:buFont typeface="Arial" panose="020B0604020202020204" pitchFamily="34" charset="0"/>
+              <a:buChar char="•"/>
+              <a:defRPr sz="1800" kern="1200">
+                <a:solidFill>
+                  <a:schemeClr val="tx1"/>
+                </a:solidFill>
+                <a:latin typeface="+mn-lt"/>
+                <a:ea typeface="+mn-ea"/>
+                <a:cs typeface="+mn-cs"/>
+              </a:defRPr>
+            </a:lvl9pPr>
+          </a:lstStyle>
+          <a:p>
+            <a:r>
+              <a:rPr lang="ko-KR" altLang="en-US" sz="1800" dirty="0" smtClean="0"/>
+              <a:t>소지품을 누르면 </a:t>
+            </a:r>
+            <a:r>
+              <a:rPr lang="ko-KR" altLang="en-US" sz="1800" dirty="0" err="1" smtClean="0"/>
+              <a:t>인벤토리를</a:t>
+            </a:r>
+            <a:r>
+              <a:rPr lang="ko-KR" altLang="en-US" sz="1800" dirty="0" smtClean="0"/>
+              <a:t> 보여주고 아이템을 </a:t>
+            </a:r>
+            <a:r>
+              <a:rPr lang="ko-KR" altLang="en-US" sz="1800" dirty="0" err="1" smtClean="0"/>
+              <a:t>판매할수</a:t>
+            </a:r>
+            <a:r>
+              <a:rPr lang="ko-KR" altLang="en-US" sz="1800" dirty="0" smtClean="0"/>
+              <a:t> 있다</a:t>
+            </a:r>
+            <a:r>
+              <a:rPr lang="en-US" altLang="ko-KR" sz="1800" dirty="0" smtClean="0"/>
+              <a:t>.</a:t>
+            </a:r>
+          </a:p>
+          <a:p>
+            <a:r>
+              <a:rPr lang="en-US" altLang="ko-KR" sz="1800" dirty="0" err="1" smtClean="0"/>
+              <a:t>shopUI</a:t>
+            </a:r>
+            <a:endParaRPr lang="en-US" altLang="ko-KR" sz="1800" dirty="0" smtClean="0"/>
+          </a:p>
+          <a:p>
+            <a:r>
+              <a:rPr lang="ko-KR" altLang="en-US" sz="1800" dirty="0" err="1" smtClean="0"/>
+              <a:t>좌측하단</a:t>
+            </a:r>
+            <a:r>
+              <a:rPr lang="ko-KR" altLang="en-US" sz="1800" dirty="0" smtClean="0"/>
+              <a:t> </a:t>
+            </a:r>
+            <a:r>
+              <a:rPr lang="ko-KR" altLang="en-US" sz="1800" dirty="0" err="1" smtClean="0"/>
+              <a:t>스크롤바를</a:t>
+            </a:r>
+            <a:r>
+              <a:rPr lang="ko-KR" altLang="en-US" sz="1800" dirty="0" smtClean="0"/>
+              <a:t> </a:t>
+            </a:r>
+            <a:r>
+              <a:rPr lang="ko-KR" altLang="en-US" sz="1800" dirty="0" err="1" smtClean="0"/>
+              <a:t>끝까지할경우</a:t>
+            </a:r>
+            <a:r>
+              <a:rPr lang="ko-KR" altLang="en-US" sz="1800" dirty="0" smtClean="0"/>
+              <a:t> 최대 구매 수량이 나온다</a:t>
+            </a:r>
+            <a:r>
+              <a:rPr lang="en-US" altLang="ko-KR" sz="1800" dirty="0" smtClean="0"/>
+              <a:t>.</a:t>
+            </a:r>
+          </a:p>
+          <a:p>
+            <a:r>
+              <a:rPr lang="en-US" altLang="ko-KR" sz="1800" dirty="0" smtClean="0"/>
+              <a:t>1</a:t>
+            </a:r>
+            <a:r>
+              <a:rPr lang="ko-KR" altLang="en-US" sz="1800" dirty="0" smtClean="0"/>
+              <a:t>개밖에 </a:t>
+            </a:r>
+            <a:r>
+              <a:rPr lang="ko-KR" altLang="en-US" sz="1800" dirty="0" err="1" smtClean="0"/>
+              <a:t>없을경우</a:t>
+            </a:r>
+            <a:r>
+              <a:rPr lang="ko-KR" altLang="en-US" sz="1800" dirty="0" smtClean="0"/>
+              <a:t> </a:t>
+            </a:r>
+            <a:r>
+              <a:rPr lang="ko-KR" altLang="en-US" sz="1800" dirty="0" err="1" smtClean="0"/>
+              <a:t>스크롤바</a:t>
+            </a:r>
+            <a:r>
+              <a:rPr lang="ko-KR" altLang="en-US" sz="1800" dirty="0" smtClean="0"/>
+              <a:t> 안보임</a:t>
+            </a:r>
+            <a:endParaRPr lang="ko-KR" altLang="en-US" sz="1800" dirty="0"/>
+          </a:p>
+        </p:txBody>
+      </p:sp>
+    </p:spTree>
+    <p:extLst>
+      <p:ext uri="{BB962C8B-B14F-4D97-AF65-F5344CB8AC3E}">
+        <p14:creationId xmlns:p14="http://schemas.microsoft.com/office/powerpoint/2010/main" val="2412596667"/>
+      </p:ext>
+    </p:extLst>
+  </p:cSld>
+  <p:clrMapOvr>
+    <a:masterClrMapping/>
+  </p:clrMapOvr>
+</p:sld>
+</file>
+
+<file path=ppt/slides/slide15.xml><?xml version="1.0" encoding="utf-8"?>
+<p:sld xmlns:a="http://schemas.openxmlformats.org/drawingml/2006/main" xmlns:r="http://schemas.openxmlformats.org/officeDocument/2006/relationships" xmlns:p="http://schemas.openxmlformats.org/presentationml/2006/main">
+  <p:cSld>
+    <p:spTree>
+      <p:nvGrpSpPr>
+        <p:cNvPr id="1" name=""/>
+        <p:cNvGrpSpPr/>
+        <p:nvPr/>
+      </p:nvGrpSpPr>
+      <p:grpSpPr>
+        <a:xfrm>
+          <a:off x="0" y="0"/>
+          <a:ext cx="0" cy="0"/>
+          <a:chOff x="0" y="0"/>
+          <a:chExt cx="0" cy="0"/>
+        </a:xfrm>
+      </p:grpSpPr>
+      <p:sp>
+        <p:nvSpPr>
+          <p:cNvPr id="2" name="제목 1"/>
+          <p:cNvSpPr>
+            <a:spLocks noGrp="1"/>
+          </p:cNvSpPr>
+          <p:nvPr>
+            <p:ph type="title"/>
+          </p:nvPr>
+        </p:nvSpPr>
+        <p:spPr>
+          <a:xfrm>
+            <a:off x="474945" y="264916"/>
+            <a:ext cx="5675334" cy="774743"/>
+          </a:xfrm>
+        </p:spPr>
+        <p:txBody>
+          <a:bodyPr/>
+          <a:lstStyle/>
+          <a:p>
+            <a:r>
+              <a:rPr lang="ko-KR" altLang="en-US" smtClean="0"/>
+              <a:t>목공소</a:t>
+            </a:r>
+            <a:endParaRPr lang="ko-KR" altLang="en-US" dirty="0"/>
+          </a:p>
+        </p:txBody>
+      </p:sp>
+      <p:sp>
+        <p:nvSpPr>
+          <p:cNvPr id="3" name="내용 개체 틀 2"/>
+          <p:cNvSpPr>
+            <a:spLocks noGrp="1"/>
+          </p:cNvSpPr>
+          <p:nvPr>
+            <p:ph idx="1"/>
+          </p:nvPr>
+        </p:nvSpPr>
+        <p:spPr>
+          <a:xfrm>
+            <a:off x="474945" y="1039659"/>
+            <a:ext cx="7378874" cy="1841327"/>
+          </a:xfrm>
+        </p:spPr>
+        <p:txBody>
+          <a:bodyPr/>
+          <a:lstStyle/>
+          <a:p>
+            <a:r>
+              <a:rPr lang="ko-KR" altLang="en-US" dirty="0" err="1" smtClean="0"/>
+              <a:t>ㅁ</a:t>
+            </a:r>
+            <a:endParaRPr lang="ko-KR" altLang="en-US" dirty="0"/>
+          </a:p>
+        </p:txBody>
+      </p:sp>
+      <p:pic>
+        <p:nvPicPr>
+          <p:cNvPr id="4" name="그림 3"/>
+          <p:cNvPicPr>
+            <a:picLocks noChangeAspect="1"/>
+          </p:cNvPicPr>
+          <p:nvPr/>
+        </p:nvPicPr>
+        <p:blipFill>
+          <a:blip r:embed="rId2">
+            <a:extLst>
+              <a:ext uri="{28A0092B-C50C-407E-A947-70E740481C1C}">
+                <a14:useLocalDpi xmlns:a14="http://schemas.microsoft.com/office/drawing/2010/main" val="0"/>
+              </a:ext>
+            </a:extLst>
+          </a:blip>
+          <a:stretch>
+            <a:fillRect/>
+          </a:stretch>
+        </p:blipFill>
+        <p:spPr>
+          <a:xfrm>
+            <a:off x="474945" y="1960322"/>
+            <a:ext cx="9636204" cy="4456746"/>
+          </a:xfrm>
+          <a:prstGeom prst="rect">
+            <a:avLst/>
+          </a:prstGeom>
+        </p:spPr>
+      </p:pic>
+    </p:spTree>
+    <p:extLst>
+      <p:ext uri="{BB962C8B-B14F-4D97-AF65-F5344CB8AC3E}">
+        <p14:creationId xmlns:p14="http://schemas.microsoft.com/office/powerpoint/2010/main" val="2066375924"/>
+      </p:ext>
+    </p:extLst>
+  </p:cSld>
+  <p:clrMapOvr>
+    <a:masterClrMapping/>
+  </p:clrMapOvr>
+</p:sld>
+</file>
+
+<file path=ppt/slides/slide16.xml><?xml version="1.0" encoding="utf-8"?>
+<p:sld xmlns:a="http://schemas.openxmlformats.org/drawingml/2006/main" xmlns:r="http://schemas.openxmlformats.org/officeDocument/2006/relationships" xmlns:p="http://schemas.openxmlformats.org/presentationml/2006/main">
+  <p:cSld>
+    <p:spTree>
+      <p:nvGrpSpPr>
+        <p:cNvPr id="1" name=""/>
+        <p:cNvGrpSpPr/>
+        <p:nvPr/>
+      </p:nvGrpSpPr>
+      <p:grpSpPr>
+        <a:xfrm>
+          <a:off x="0" y="0"/>
+          <a:ext cx="0" cy="0"/>
+          <a:chOff x="0" y="0"/>
+          <a:chExt cx="0" cy="0"/>
+        </a:xfrm>
+      </p:grpSpPr>
+      <p:sp>
+        <p:nvSpPr>
+          <p:cNvPr id="2" name="제목 1"/>
+          <p:cNvSpPr>
+            <a:spLocks noGrp="1"/>
+          </p:cNvSpPr>
+          <p:nvPr>
+            <p:ph type="title"/>
+          </p:nvPr>
+        </p:nvSpPr>
+        <p:spPr>
+          <a:xfrm>
+            <a:off x="474945" y="264916"/>
+            <a:ext cx="5675334" cy="774743"/>
+          </a:xfrm>
+        </p:spPr>
+        <p:txBody>
+          <a:bodyPr/>
+          <a:lstStyle/>
+          <a:p>
+            <a:r>
+              <a:rPr lang="ko-KR" altLang="en-US" smtClean="0"/>
+              <a:t>목공소</a:t>
+            </a:r>
+            <a:endParaRPr lang="ko-KR" altLang="en-US" dirty="0"/>
+          </a:p>
+        </p:txBody>
+      </p:sp>
+      <p:sp>
+        <p:nvSpPr>
+          <p:cNvPr id="3" name="내용 개체 틀 2"/>
+          <p:cNvSpPr>
+            <a:spLocks noGrp="1"/>
+          </p:cNvSpPr>
+          <p:nvPr>
+            <p:ph idx="1"/>
+          </p:nvPr>
+        </p:nvSpPr>
+        <p:spPr>
+          <a:xfrm>
+            <a:off x="474945" y="1039659"/>
+            <a:ext cx="7378874" cy="1841327"/>
+          </a:xfrm>
+        </p:spPr>
+        <p:txBody>
+          <a:bodyPr>
+            <a:normAutofit/>
+          </a:bodyPr>
+          <a:lstStyle/>
+          <a:p>
+            <a:r>
+              <a:rPr lang="ko-KR" altLang="en-US" sz="1800" dirty="0" smtClean="0"/>
+              <a:t>구매하기를 </a:t>
+            </a:r>
+            <a:r>
+              <a:rPr lang="ko-KR" altLang="en-US" sz="1800" dirty="0" err="1" smtClean="0"/>
+              <a:t>누를경우</a:t>
+            </a:r>
+            <a:endParaRPr lang="en-US" altLang="ko-KR" sz="1800" dirty="0" smtClean="0"/>
+          </a:p>
+          <a:p>
+            <a:r>
+              <a:rPr lang="ko-KR" altLang="en-US" sz="1800" dirty="0" smtClean="0"/>
+              <a:t>소지품을 누르면 </a:t>
+            </a:r>
+            <a:r>
+              <a:rPr lang="ko-KR" altLang="en-US" sz="1800" dirty="0" err="1" smtClean="0"/>
+              <a:t>인벤토리를</a:t>
+            </a:r>
+            <a:r>
+              <a:rPr lang="ko-KR" altLang="en-US" sz="1800" dirty="0" smtClean="0"/>
+              <a:t> 보여주고 판매가 가능함</a:t>
+            </a:r>
+            <a:endParaRPr lang="ko-KR" altLang="en-US" sz="1800" dirty="0"/>
+          </a:p>
+        </p:txBody>
+      </p:sp>
+      <p:pic>
+        <p:nvPicPr>
+          <p:cNvPr id="7" name="그림 6"/>
+          <p:cNvPicPr>
+            <a:picLocks noChangeAspect="1"/>
+          </p:cNvPicPr>
+          <p:nvPr/>
+        </p:nvPicPr>
+        <p:blipFill>
+          <a:blip r:embed="rId2">
+            <a:extLst>
+              <a:ext uri="{28A0092B-C50C-407E-A947-70E740481C1C}">
+                <a14:useLocalDpi xmlns:a14="http://schemas.microsoft.com/office/drawing/2010/main" val="0"/>
+              </a:ext>
+            </a:extLst>
+          </a:blip>
+          <a:stretch>
+            <a:fillRect/>
+          </a:stretch>
+        </p:blipFill>
+        <p:spPr>
+          <a:xfrm>
+            <a:off x="820055" y="2258857"/>
+            <a:ext cx="8472570" cy="3918564"/>
+          </a:xfrm>
+          <a:prstGeom prst="rect">
+            <a:avLst/>
+          </a:prstGeom>
+        </p:spPr>
+      </p:pic>
+    </p:spTree>
+    <p:extLst>
+      <p:ext uri="{BB962C8B-B14F-4D97-AF65-F5344CB8AC3E}">
+        <p14:creationId xmlns:p14="http://schemas.microsoft.com/office/powerpoint/2010/main" val="3631257197"/>
+      </p:ext>
+    </p:extLst>
+  </p:cSld>
+  <p:clrMapOvr>
+    <a:masterClrMapping/>
+  </p:clrMapOvr>
+</p:sld>
+</file>
+
+<file path=ppt/slides/slide17.xml><?xml version="1.0" encoding="utf-8"?>
+<p:sld xmlns:a="http://schemas.openxmlformats.org/drawingml/2006/main" xmlns:r="http://schemas.openxmlformats.org/officeDocument/2006/relationships" xmlns:p="http://schemas.openxmlformats.org/presentationml/2006/main">
+  <p:cSld>
+    <p:spTree>
+      <p:nvGrpSpPr>
+        <p:cNvPr id="1" name=""/>
+        <p:cNvGrpSpPr/>
+        <p:nvPr/>
+      </p:nvGrpSpPr>
+      <p:grpSpPr>
+        <a:xfrm>
+          <a:off x="0" y="0"/>
+          <a:ext cx="0" cy="0"/>
+          <a:chOff x="0" y="0"/>
+          <a:chExt cx="0" cy="0"/>
+        </a:xfrm>
+      </p:grpSpPr>
+      <p:sp>
+        <p:nvSpPr>
+          <p:cNvPr id="2" name="제목 1"/>
+          <p:cNvSpPr>
+            <a:spLocks noGrp="1"/>
+          </p:cNvSpPr>
+          <p:nvPr>
+            <p:ph type="title"/>
+          </p:nvPr>
+        </p:nvSpPr>
+        <p:spPr>
+          <a:xfrm>
+            <a:off x="474945" y="264916"/>
+            <a:ext cx="5675334" cy="774743"/>
+          </a:xfrm>
+        </p:spPr>
+        <p:txBody>
+          <a:bodyPr/>
+          <a:lstStyle/>
+          <a:p>
+            <a:r>
+              <a:rPr lang="ko-KR" altLang="en-US" dirty="0" smtClean="0"/>
+              <a:t>목공소</a:t>
+            </a:r>
+            <a:endParaRPr lang="ko-KR" altLang="en-US" dirty="0"/>
+          </a:p>
+        </p:txBody>
+      </p:sp>
+      <p:sp>
+        <p:nvSpPr>
+          <p:cNvPr id="3" name="내용 개체 틀 2"/>
+          <p:cNvSpPr>
+            <a:spLocks noGrp="1"/>
+          </p:cNvSpPr>
+          <p:nvPr>
+            <p:ph idx="1"/>
+          </p:nvPr>
+        </p:nvSpPr>
+        <p:spPr>
+          <a:xfrm>
+            <a:off x="474945" y="1039659"/>
+            <a:ext cx="7378874" cy="1841327"/>
+          </a:xfrm>
+        </p:spPr>
+        <p:txBody>
+          <a:bodyPr>
+            <a:normAutofit/>
+          </a:bodyPr>
+          <a:lstStyle/>
+          <a:p>
+            <a:r>
+              <a:rPr lang="ko-KR" altLang="en-US" sz="1800" dirty="0" smtClean="0"/>
+              <a:t>집업그레이드를 </a:t>
+            </a:r>
+            <a:r>
+              <a:rPr lang="ko-KR" altLang="en-US" sz="1800" dirty="0" err="1" smtClean="0"/>
+              <a:t>누를경우</a:t>
+            </a:r>
+            <a:endParaRPr lang="ko-KR" altLang="en-US" sz="1800" dirty="0"/>
+          </a:p>
+        </p:txBody>
+      </p:sp>
+      <p:pic>
+        <p:nvPicPr>
+          <p:cNvPr id="5" name="그림 4"/>
+          <p:cNvPicPr>
+            <a:picLocks noChangeAspect="1"/>
+          </p:cNvPicPr>
+          <p:nvPr/>
+        </p:nvPicPr>
+        <p:blipFill>
+          <a:blip r:embed="rId2">
+            <a:extLst>
+              <a:ext uri="{28A0092B-C50C-407E-A947-70E740481C1C}">
+                <a14:useLocalDpi xmlns:a14="http://schemas.microsoft.com/office/drawing/2010/main" val="0"/>
+              </a:ext>
+            </a:extLst>
+          </a:blip>
+          <a:stretch>
+            <a:fillRect/>
+          </a:stretch>
+        </p:blipFill>
+        <p:spPr>
+          <a:xfrm>
+            <a:off x="924783" y="2417523"/>
+            <a:ext cx="7461448" cy="3450920"/>
+          </a:xfrm>
+          <a:prstGeom prst="rect">
+            <a:avLst/>
+          </a:prstGeom>
+        </p:spPr>
+      </p:pic>
+    </p:spTree>
+    <p:extLst>
+      <p:ext uri="{BB962C8B-B14F-4D97-AF65-F5344CB8AC3E}">
+        <p14:creationId xmlns:p14="http://schemas.microsoft.com/office/powerpoint/2010/main" val="3069602766"/>
+      </p:ext>
+    </p:extLst>
+  </p:cSld>
+  <p:clrMapOvr>
+    <a:masterClrMapping/>
+  </p:clrMapOvr>
+</p:sld>
+</file>
+
+<file path=ppt/slides/slide18.xml><?xml version="1.0" encoding="utf-8"?>
+<p:sld xmlns:a="http://schemas.openxmlformats.org/drawingml/2006/main" xmlns:r="http://schemas.openxmlformats.org/officeDocument/2006/relationships" xmlns:p="http://schemas.openxmlformats.org/presentationml/2006/main">
+  <p:cSld>
+    <p:spTree>
+      <p:nvGrpSpPr>
+        <p:cNvPr id="1" name=""/>
+        <p:cNvGrpSpPr/>
+        <p:nvPr/>
+      </p:nvGrpSpPr>
+      <p:grpSpPr>
+        <a:xfrm>
+          <a:off x="0" y="0"/>
+          <a:ext cx="0" cy="0"/>
+          <a:chOff x="0" y="0"/>
+          <a:chExt cx="0" cy="0"/>
+        </a:xfrm>
+      </p:grpSpPr>
+      <p:sp>
+        <p:nvSpPr>
+          <p:cNvPr id="2" name="제목 1"/>
+          <p:cNvSpPr>
+            <a:spLocks noGrp="1"/>
+          </p:cNvSpPr>
+          <p:nvPr>
+            <p:ph type="title"/>
+          </p:nvPr>
+        </p:nvSpPr>
+        <p:spPr>
+          <a:xfrm>
+            <a:off x="474945" y="264916"/>
+            <a:ext cx="5675334" cy="774743"/>
+          </a:xfrm>
+        </p:spPr>
+        <p:txBody>
+          <a:bodyPr/>
+          <a:lstStyle/>
+          <a:p>
+            <a:r>
+              <a:rPr lang="ko-KR" altLang="en-US" dirty="0" smtClean="0"/>
+              <a:t>목공소</a:t>
+            </a:r>
+            <a:endParaRPr lang="ko-KR" altLang="en-US" dirty="0"/>
+          </a:p>
+        </p:txBody>
+      </p:sp>
+      <p:sp>
+        <p:nvSpPr>
+          <p:cNvPr id="3" name="내용 개체 틀 2"/>
+          <p:cNvSpPr>
+            <a:spLocks noGrp="1"/>
+          </p:cNvSpPr>
+          <p:nvPr>
+            <p:ph idx="1"/>
+          </p:nvPr>
+        </p:nvSpPr>
+        <p:spPr>
+          <a:xfrm>
+            <a:off x="474945" y="1039659"/>
+            <a:ext cx="7378874" cy="1841327"/>
+          </a:xfrm>
+        </p:spPr>
+        <p:txBody>
+          <a:bodyPr>
+            <a:normAutofit/>
+          </a:bodyPr>
+          <a:lstStyle/>
+          <a:p>
+            <a:r>
+              <a:rPr lang="ko-KR" altLang="en-US" sz="1800" dirty="0" smtClean="0"/>
+              <a:t>농장건물건설하기를 </a:t>
+            </a:r>
+            <a:r>
+              <a:rPr lang="ko-KR" altLang="en-US" sz="1800" dirty="0" err="1" smtClean="0"/>
+              <a:t>누를경우</a:t>
+            </a:r>
+            <a:endParaRPr lang="en-US" altLang="ko-KR" sz="1800" dirty="0" smtClean="0"/>
+          </a:p>
+          <a:p>
+            <a:r>
+              <a:rPr lang="ko-KR" altLang="en-US" sz="1800" dirty="0" smtClean="0"/>
+              <a:t>화살표를 누르면 외양간</a:t>
+            </a:r>
+            <a:r>
+              <a:rPr lang="en-US" altLang="ko-KR" sz="1800" dirty="0" smtClean="0"/>
+              <a:t>,</a:t>
+            </a:r>
+            <a:r>
+              <a:rPr lang="ko-KR" altLang="en-US" sz="1800" dirty="0" smtClean="0"/>
+              <a:t> </a:t>
+            </a:r>
+            <a:r>
+              <a:rPr lang="ko-KR" altLang="en-US" sz="1800" dirty="0" err="1" smtClean="0"/>
+              <a:t>사일로등</a:t>
+            </a:r>
+            <a:r>
+              <a:rPr lang="ko-KR" altLang="en-US" sz="1800" dirty="0" smtClean="0"/>
+              <a:t> 다른 건축물이 나온다</a:t>
+            </a:r>
+            <a:r>
+              <a:rPr lang="en-US" altLang="ko-KR" sz="1800" dirty="0" smtClean="0"/>
+              <a:t>.</a:t>
+            </a:r>
+            <a:endParaRPr lang="ko-KR" altLang="en-US" sz="1800" dirty="0"/>
+          </a:p>
+        </p:txBody>
+      </p:sp>
+      <p:pic>
+        <p:nvPicPr>
+          <p:cNvPr id="4" name="그림 3"/>
+          <p:cNvPicPr>
+            <a:picLocks noChangeAspect="1"/>
+          </p:cNvPicPr>
+          <p:nvPr/>
+        </p:nvPicPr>
+        <p:blipFill>
+          <a:blip r:embed="rId2">
+            <a:extLst>
+              <a:ext uri="{28A0092B-C50C-407E-A947-70E740481C1C}">
+                <a14:useLocalDpi xmlns:a14="http://schemas.microsoft.com/office/drawing/2010/main" val="0"/>
+              </a:ext>
+            </a:extLst>
+          </a:blip>
+          <a:stretch>
+            <a:fillRect/>
+          </a:stretch>
+        </p:blipFill>
+        <p:spPr>
+          <a:xfrm>
+            <a:off x="1220888" y="2083494"/>
+            <a:ext cx="8472570" cy="3918564"/>
+          </a:xfrm>
+          <a:prstGeom prst="rect">
+            <a:avLst/>
+          </a:prstGeom>
+        </p:spPr>
+      </p:pic>
+    </p:spTree>
+    <p:extLst>
+      <p:ext uri="{BB962C8B-B14F-4D97-AF65-F5344CB8AC3E}">
+        <p14:creationId xmlns:p14="http://schemas.microsoft.com/office/powerpoint/2010/main" val="3175054557"/>
+      </p:ext>
+    </p:extLst>
+  </p:cSld>
+  <p:clrMapOvr>
+    <a:masterClrMapping/>
+  </p:clrMapOvr>
+</p:sld>
+</file>
+
+<file path=ppt/slides/slide19.xml><?xml version="1.0" encoding="utf-8"?>
+<p:sld xmlns:a="http://schemas.openxmlformats.org/drawingml/2006/main" xmlns:r="http://schemas.openxmlformats.org/officeDocument/2006/relationships" xmlns:p="http://schemas.openxmlformats.org/presentationml/2006/main">
+  <p:cSld>
+    <p:spTree>
+      <p:nvGrpSpPr>
+        <p:cNvPr id="1" name=""/>
+        <p:cNvGrpSpPr/>
+        <p:nvPr/>
+      </p:nvGrpSpPr>
+      <p:grpSpPr>
+        <a:xfrm>
+          <a:off x="0" y="0"/>
+          <a:ext cx="0" cy="0"/>
+          <a:chOff x="0" y="0"/>
+          <a:chExt cx="0" cy="0"/>
+        </a:xfrm>
+      </p:grpSpPr>
+      <p:sp>
+        <p:nvSpPr>
+          <p:cNvPr id="2" name="제목 1"/>
+          <p:cNvSpPr>
+            <a:spLocks noGrp="1"/>
+          </p:cNvSpPr>
+          <p:nvPr>
+            <p:ph type="title"/>
+          </p:nvPr>
+        </p:nvSpPr>
+        <p:spPr>
+          <a:xfrm>
+            <a:off x="474945" y="264916"/>
+            <a:ext cx="5675334" cy="774743"/>
+          </a:xfrm>
+        </p:spPr>
+        <p:txBody>
+          <a:bodyPr/>
+          <a:lstStyle/>
+          <a:p>
+            <a:r>
+              <a:rPr lang="ko-KR" altLang="en-US" dirty="0" err="1" smtClean="0"/>
+              <a:t>마니의</a:t>
+            </a:r>
+            <a:r>
+              <a:rPr lang="ko-KR" altLang="en-US" dirty="0" smtClean="0"/>
+              <a:t> 목장</a:t>
+            </a:r>
+            <a:endParaRPr lang="ko-KR" altLang="en-US" dirty="0"/>
+          </a:p>
+        </p:txBody>
+      </p:sp>
+      <p:sp>
+        <p:nvSpPr>
+          <p:cNvPr id="3" name="내용 개체 틀 2"/>
+          <p:cNvSpPr>
+            <a:spLocks noGrp="1"/>
+          </p:cNvSpPr>
+          <p:nvPr>
+            <p:ph idx="1"/>
+          </p:nvPr>
+        </p:nvSpPr>
+        <p:spPr>
+          <a:xfrm>
+            <a:off x="474945" y="1039659"/>
+            <a:ext cx="7378874" cy="1841327"/>
+          </a:xfrm>
+        </p:spPr>
+        <p:txBody>
+          <a:bodyPr>
+            <a:normAutofit/>
+          </a:bodyPr>
+          <a:lstStyle/>
+          <a:p>
+            <a:endParaRPr lang="ko-KR" altLang="en-US" sz="1800" dirty="0"/>
+          </a:p>
+        </p:txBody>
+      </p:sp>
+      <p:pic>
+        <p:nvPicPr>
+          <p:cNvPr id="5" name="그림 4"/>
+          <p:cNvPicPr>
+            <a:picLocks noChangeAspect="1"/>
+          </p:cNvPicPr>
+          <p:nvPr/>
+        </p:nvPicPr>
+        <p:blipFill>
+          <a:blip r:embed="rId2">
+            <a:extLst>
+              <a:ext uri="{28A0092B-C50C-407E-A947-70E740481C1C}">
+                <a14:useLocalDpi xmlns:a14="http://schemas.microsoft.com/office/drawing/2010/main" val="0"/>
+              </a:ext>
+            </a:extLst>
+          </a:blip>
+          <a:stretch>
+            <a:fillRect/>
+          </a:stretch>
+        </p:blipFill>
+        <p:spPr>
+          <a:xfrm>
+            <a:off x="928749" y="1814402"/>
+            <a:ext cx="9031796" cy="4177206"/>
+          </a:xfrm>
+          <a:prstGeom prst="rect">
+            <a:avLst/>
+          </a:prstGeom>
+        </p:spPr>
+      </p:pic>
+    </p:spTree>
+    <p:extLst>
+      <p:ext uri="{BB962C8B-B14F-4D97-AF65-F5344CB8AC3E}">
+        <p14:creationId xmlns:p14="http://schemas.microsoft.com/office/powerpoint/2010/main" val="1659561330"/>
+      </p:ext>
+    </p:extLst>
+  </p:cSld>
+  <p:clrMapOvr>
+    <a:masterClrMapping/>
+  </p:clrMapOvr>
+</p:sld>
+</file>
+
 <file path=ppt/slides/slide2.xml><?xml version="1.0" encoding="utf-8"?>
 <p:sld xmlns:a="http://schemas.openxmlformats.org/drawingml/2006/main" xmlns:r="http://schemas.openxmlformats.org/officeDocument/2006/relationships" xmlns:p="http://schemas.openxmlformats.org/presentationml/2006/main">
   <p:cSld>
@@ -4479,6 +5495,273 @@
     <p:extLst>
       <p:ext uri="{BB962C8B-B14F-4D97-AF65-F5344CB8AC3E}">
         <p14:creationId xmlns:p14="http://schemas.microsoft.com/office/powerpoint/2010/main" val="73169345"/>
+      </p:ext>
+    </p:extLst>
+  </p:cSld>
+  <p:clrMapOvr>
+    <a:masterClrMapping/>
+  </p:clrMapOvr>
+</p:sld>
+</file>
+
+<file path=ppt/slides/slide20.xml><?xml version="1.0" encoding="utf-8"?>
+<p:sld xmlns:a="http://schemas.openxmlformats.org/drawingml/2006/main" xmlns:r="http://schemas.openxmlformats.org/officeDocument/2006/relationships" xmlns:p="http://schemas.openxmlformats.org/presentationml/2006/main">
+  <p:cSld>
+    <p:spTree>
+      <p:nvGrpSpPr>
+        <p:cNvPr id="1" name=""/>
+        <p:cNvGrpSpPr/>
+        <p:nvPr/>
+      </p:nvGrpSpPr>
+      <p:grpSpPr>
+        <a:xfrm>
+          <a:off x="0" y="0"/>
+          <a:ext cx="0" cy="0"/>
+          <a:chOff x="0" y="0"/>
+          <a:chExt cx="0" cy="0"/>
+        </a:xfrm>
+      </p:grpSpPr>
+      <p:sp>
+        <p:nvSpPr>
+          <p:cNvPr id="2" name="제목 1"/>
+          <p:cNvSpPr>
+            <a:spLocks noGrp="1"/>
+          </p:cNvSpPr>
+          <p:nvPr>
+            <p:ph type="title"/>
+          </p:nvPr>
+        </p:nvSpPr>
+        <p:spPr>
+          <a:xfrm>
+            <a:off x="474945" y="264916"/>
+            <a:ext cx="5675334" cy="774743"/>
+          </a:xfrm>
+        </p:spPr>
+        <p:txBody>
+          <a:bodyPr/>
+          <a:lstStyle/>
+          <a:p>
+            <a:r>
+              <a:rPr lang="ko-KR" altLang="en-US" dirty="0" err="1" smtClean="0"/>
+              <a:t>마니의</a:t>
+            </a:r>
+            <a:r>
+              <a:rPr lang="ko-KR" altLang="en-US" dirty="0" smtClean="0"/>
+              <a:t> 목장</a:t>
+            </a:r>
+            <a:endParaRPr lang="ko-KR" altLang="en-US" dirty="0"/>
+          </a:p>
+        </p:txBody>
+      </p:sp>
+      <p:sp>
+        <p:nvSpPr>
+          <p:cNvPr id="3" name="내용 개체 틀 2"/>
+          <p:cNvSpPr>
+            <a:spLocks noGrp="1"/>
+          </p:cNvSpPr>
+          <p:nvPr>
+            <p:ph idx="1"/>
+          </p:nvPr>
+        </p:nvSpPr>
+        <p:spPr>
+          <a:xfrm>
+            <a:off x="474945" y="1039659"/>
+            <a:ext cx="7378874" cy="1841327"/>
+          </a:xfrm>
+        </p:spPr>
+        <p:txBody>
+          <a:bodyPr>
+            <a:normAutofit/>
+          </a:bodyPr>
+          <a:lstStyle/>
+          <a:p>
+            <a:r>
+              <a:rPr lang="ko-KR" altLang="en-US" sz="1800" dirty="0" smtClean="0"/>
+              <a:t>소모품 구매하기를 </a:t>
+            </a:r>
+            <a:r>
+              <a:rPr lang="ko-KR" altLang="en-US" sz="1800" dirty="0" err="1"/>
+              <a:t>누를경우</a:t>
+            </a:r>
+            <a:endParaRPr lang="en-US" altLang="ko-KR" sz="1800" dirty="0"/>
+          </a:p>
+          <a:p>
+            <a:r>
+              <a:rPr lang="ko-KR" altLang="en-US" sz="1800" dirty="0"/>
+              <a:t>소지품을 누르면 </a:t>
+            </a:r>
+            <a:r>
+              <a:rPr lang="ko-KR" altLang="en-US" sz="1800" dirty="0" err="1"/>
+              <a:t>인벤토리를</a:t>
+            </a:r>
+            <a:r>
+              <a:rPr lang="ko-KR" altLang="en-US" sz="1800" dirty="0"/>
+              <a:t> 보여주고 판매가 가능함</a:t>
+            </a:r>
+            <a:endParaRPr lang="ko-KR" altLang="en-US" sz="1800" dirty="0"/>
+          </a:p>
+        </p:txBody>
+      </p:sp>
+      <p:pic>
+        <p:nvPicPr>
+          <p:cNvPr id="4" name="그림 3"/>
+          <p:cNvPicPr>
+            <a:picLocks noChangeAspect="1"/>
+          </p:cNvPicPr>
+          <p:nvPr/>
+        </p:nvPicPr>
+        <p:blipFill>
+          <a:blip r:embed="rId2">
+            <a:extLst>
+              <a:ext uri="{28A0092B-C50C-407E-A947-70E740481C1C}">
+                <a14:useLocalDpi xmlns:a14="http://schemas.microsoft.com/office/drawing/2010/main" val="0"/>
+              </a:ext>
+            </a:extLst>
+          </a:blip>
+          <a:stretch>
+            <a:fillRect/>
+          </a:stretch>
+        </p:blipFill>
+        <p:spPr>
+          <a:xfrm>
+            <a:off x="650309" y="2118970"/>
+            <a:ext cx="8716372" cy="4031322"/>
+          </a:xfrm>
+          <a:prstGeom prst="rect">
+            <a:avLst/>
+          </a:prstGeom>
+        </p:spPr>
+      </p:pic>
+    </p:spTree>
+    <p:extLst>
+      <p:ext uri="{BB962C8B-B14F-4D97-AF65-F5344CB8AC3E}">
+        <p14:creationId xmlns:p14="http://schemas.microsoft.com/office/powerpoint/2010/main" val="3686295619"/>
+      </p:ext>
+    </p:extLst>
+  </p:cSld>
+  <p:clrMapOvr>
+    <a:masterClrMapping/>
+  </p:clrMapOvr>
+</p:sld>
+</file>
+
+<file path=ppt/slides/slide21.xml><?xml version="1.0" encoding="utf-8"?>
+<p:sld xmlns:a="http://schemas.openxmlformats.org/drawingml/2006/main" xmlns:r="http://schemas.openxmlformats.org/officeDocument/2006/relationships" xmlns:p="http://schemas.openxmlformats.org/presentationml/2006/main">
+  <p:cSld>
+    <p:spTree>
+      <p:nvGrpSpPr>
+        <p:cNvPr id="1" name=""/>
+        <p:cNvGrpSpPr/>
+        <p:nvPr/>
+      </p:nvGrpSpPr>
+      <p:grpSpPr>
+        <a:xfrm>
+          <a:off x="0" y="0"/>
+          <a:ext cx="0" cy="0"/>
+          <a:chOff x="0" y="0"/>
+          <a:chExt cx="0" cy="0"/>
+        </a:xfrm>
+      </p:grpSpPr>
+      <p:sp>
+        <p:nvSpPr>
+          <p:cNvPr id="2" name="제목 1"/>
+          <p:cNvSpPr>
+            <a:spLocks noGrp="1"/>
+          </p:cNvSpPr>
+          <p:nvPr>
+            <p:ph type="title"/>
+          </p:nvPr>
+        </p:nvSpPr>
+        <p:spPr>
+          <a:xfrm>
+            <a:off x="474945" y="264916"/>
+            <a:ext cx="5675334" cy="774743"/>
+          </a:xfrm>
+        </p:spPr>
+        <p:txBody>
+          <a:bodyPr/>
+          <a:lstStyle/>
+          <a:p>
+            <a:r>
+              <a:rPr lang="ko-KR" altLang="en-US" dirty="0" err="1" smtClean="0"/>
+              <a:t>마니의</a:t>
+            </a:r>
+            <a:r>
+              <a:rPr lang="ko-KR" altLang="en-US" dirty="0" smtClean="0"/>
+              <a:t> 목장</a:t>
+            </a:r>
+            <a:endParaRPr lang="ko-KR" altLang="en-US" dirty="0"/>
+          </a:p>
+        </p:txBody>
+      </p:sp>
+      <p:sp>
+        <p:nvSpPr>
+          <p:cNvPr id="3" name="내용 개체 틀 2"/>
+          <p:cNvSpPr>
+            <a:spLocks noGrp="1"/>
+          </p:cNvSpPr>
+          <p:nvPr>
+            <p:ph idx="1"/>
+          </p:nvPr>
+        </p:nvSpPr>
+        <p:spPr>
+          <a:xfrm>
+            <a:off x="474945" y="1039659"/>
+            <a:ext cx="7378874" cy="1841327"/>
+          </a:xfrm>
+        </p:spPr>
+        <p:txBody>
+          <a:bodyPr>
+            <a:normAutofit/>
+          </a:bodyPr>
+          <a:lstStyle/>
+          <a:p>
+            <a:r>
+              <a:rPr lang="ko-KR" altLang="en-US" sz="1800" dirty="0" smtClean="0"/>
+              <a:t>가축 구매하기를 </a:t>
+            </a:r>
+            <a:r>
+              <a:rPr lang="ko-KR" altLang="en-US" sz="1800" dirty="0" err="1" smtClean="0"/>
+              <a:t>누를경우</a:t>
+            </a:r>
+            <a:endParaRPr lang="en-US" altLang="ko-KR" sz="1800" dirty="0"/>
+          </a:p>
+        </p:txBody>
+      </p:sp>
+      <p:pic>
+        <p:nvPicPr>
+          <p:cNvPr id="5" name="그림 4"/>
+          <p:cNvPicPr>
+            <a:picLocks noChangeAspect="1"/>
+          </p:cNvPicPr>
+          <p:nvPr/>
+        </p:nvPicPr>
+        <p:blipFill>
+          <a:blip r:embed="rId2">
+            <a:extLst>
+              <a:ext uri="{28A0092B-C50C-407E-A947-70E740481C1C}">
+                <a14:useLocalDpi xmlns:a14="http://schemas.microsoft.com/office/drawing/2010/main" val="0"/>
+              </a:ext>
+            </a:extLst>
+          </a:blip>
+          <a:stretch>
+            <a:fillRect/>
+          </a:stretch>
+        </p:blipFill>
+        <p:spPr>
+          <a:xfrm>
+            <a:off x="474945" y="2363490"/>
+            <a:ext cx="8561768" cy="3959818"/>
+          </a:xfrm>
+          <a:prstGeom prst="rect">
+            <a:avLst/>
+          </a:prstGeom>
+        </p:spPr>
+      </p:pic>
+    </p:spTree>
+    <p:extLst>
+      <p:ext uri="{BB962C8B-B14F-4D97-AF65-F5344CB8AC3E}">
+        <p14:creationId xmlns:p14="http://schemas.microsoft.com/office/powerpoint/2010/main" val="2260283926"/>
       </p:ext>
     </p:extLst>
   </p:cSld>
